--- a/marketing/CodeCleanerForHire.pptx
+++ b/marketing/CodeCleanerForHire.pptx
@@ -8,8 +8,8 @@
     <p:notesMasterId r:id="rId4"/>
   </p:notesMasterIdLst>
   <p:sldIdLst>
-    <p:sldId id="288" r:id="rId2"/>
-    <p:sldId id="289" r:id="rId3"/>
+    <p:sldId id="289" r:id="rId2"/>
+    <p:sldId id="290" r:id="rId3"/>
   </p:sldIdLst>
   <p:sldSz cx="7772400" cy="10058400"/>
   <p:notesSz cx="6858000" cy="9144000"/>
@@ -1954,2172 +1954,6 @@
       </p:grpSpPr>
       <p:sp>
         <p:nvSpPr>
-          <p:cNvPr id="2" name="Title 1">
-            <a:extLst>
-              <a:ext uri="{FF2B5EF4-FFF2-40B4-BE49-F238E27FC236}">
-                <a16:creationId xmlns:a16="http://schemas.microsoft.com/office/drawing/2014/main" id="{90B634A8-9F2A-644D-BA1A-47F100949845}"/>
-              </a:ext>
-            </a:extLst>
-          </p:cNvPr>
-          <p:cNvSpPr>
-            <a:spLocks noGrp="1"/>
-          </p:cNvSpPr>
-          <p:nvPr>
-            <p:ph type="ctrTitle"/>
-          </p:nvPr>
-        </p:nvSpPr>
-        <p:spPr>
-          <a:xfrm>
-            <a:off x="605079" y="-211191"/>
-            <a:ext cx="6562242" cy="2268053"/>
-          </a:xfrm>
-        </p:spPr>
-        <p:txBody>
-          <a:bodyPr/>
-          <a:lstStyle/>
-          <a:p>
-            <a:r>
-              <a:rPr lang="en-US" dirty="0"/>
-              <a:t>Code Cleaning</a:t>
-            </a:r>
-            <a:br>
-              <a:rPr lang="en-US" dirty="0"/>
-            </a:br>
-            <a:r>
-              <a:rPr lang="en-US" sz="1800" dirty="0"/>
-              <a:t>(for hire)</a:t>
-            </a:r>
-            <a:endParaRPr lang="en-US" dirty="0"/>
-          </a:p>
-        </p:txBody>
-      </p:sp>
-      <p:sp>
-        <p:nvSpPr>
-          <p:cNvPr id="3" name="Subtitle 2">
-            <a:extLst>
-              <a:ext uri="{FF2B5EF4-FFF2-40B4-BE49-F238E27FC236}">
-                <a16:creationId xmlns:a16="http://schemas.microsoft.com/office/drawing/2014/main" id="{61FDC801-4617-434F-8E0F-C9A072A721AB}"/>
-              </a:ext>
-            </a:extLst>
-          </p:cNvPr>
-          <p:cNvSpPr>
-            <a:spLocks noGrp="1"/>
-          </p:cNvSpPr>
-          <p:nvPr>
-            <p:ph type="subTitle" idx="1"/>
-          </p:nvPr>
-        </p:nvSpPr>
-        <p:spPr>
-          <a:xfrm>
-            <a:off x="123984" y="2132590"/>
-            <a:ext cx="4723319" cy="1554507"/>
-          </a:xfrm>
-        </p:spPr>
-        <p:txBody>
-          <a:bodyPr/>
-          <a:lstStyle/>
-          <a:p>
-            <a:pPr algn="l"/>
-            <a:r>
-              <a:rPr lang="en-US" dirty="0"/>
-              <a:t>Service provided:</a:t>
-            </a:r>
-          </a:p>
-          <a:p>
-            <a:pPr algn="l"/>
-            <a:r>
-              <a:rPr lang="en-US" i="0" dirty="0"/>
-              <a:t>Clean up the code that is slowing down your team the most</a:t>
-            </a:r>
-          </a:p>
-        </p:txBody>
-      </p:sp>
-      <p:sp>
-        <p:nvSpPr>
-          <p:cNvPr id="4" name="Slide Number Placeholder 3">
-            <a:extLst>
-              <a:ext uri="{FF2B5EF4-FFF2-40B4-BE49-F238E27FC236}">
-                <a16:creationId xmlns:a16="http://schemas.microsoft.com/office/drawing/2014/main" id="{72003388-39EB-0447-8ECF-6CFF2E10ECFA}"/>
-              </a:ext>
-            </a:extLst>
-          </p:cNvPr>
-          <p:cNvSpPr>
-            <a:spLocks noGrp="1"/>
-          </p:cNvSpPr>
-          <p:nvPr>
-            <p:ph type="sldNum" idx="12"/>
-          </p:nvPr>
-        </p:nvSpPr>
-        <p:spPr>
-          <a:xfrm>
-            <a:off x="6970209" y="8643238"/>
-            <a:ext cx="466395" cy="769707"/>
-          </a:xfrm>
-        </p:spPr>
-        <p:txBody>
-          <a:bodyPr/>
-          <a:lstStyle/>
-          <a:p>
-            <a:fld id="{00000000-1234-1234-1234-123412341234}" type="slidenum">
-              <a:rPr lang="en" smtClean="0"/>
-              <a:pPr/>
-              <a:t>1</a:t>
-            </a:fld>
-            <a:endParaRPr lang="en"/>
-          </a:p>
-        </p:txBody>
-      </p:sp>
-      <p:sp>
-        <p:nvSpPr>
-          <p:cNvPr id="7" name="Subtitle 2">
-            <a:extLst>
-              <a:ext uri="{FF2B5EF4-FFF2-40B4-BE49-F238E27FC236}">
-                <a16:creationId xmlns:a16="http://schemas.microsoft.com/office/drawing/2014/main" id="{45FD7600-500A-6F4B-BAB5-7AD05D043C91}"/>
-              </a:ext>
-            </a:extLst>
-          </p:cNvPr>
-          <p:cNvSpPr txBox="1">
-            <a:spLocks/>
-          </p:cNvSpPr>
-          <p:nvPr/>
-        </p:nvSpPr>
-        <p:spPr>
-          <a:xfrm>
-            <a:off x="4224240" y="6937140"/>
-            <a:ext cx="3206239" cy="1660986"/>
-          </a:xfrm>
-          <a:prstGeom prst="rect">
-            <a:avLst/>
-          </a:prstGeom>
-          <a:noFill/>
-          <a:ln>
-            <a:noFill/>
-          </a:ln>
-        </p:spPr>
-        <p:txBody>
-          <a:bodyPr spcFirstLastPara="1" wrap="square" lIns="91425" tIns="91425" rIns="91425" bIns="91425" anchor="t" anchorCtr="0">
-            <a:noAutofit/>
-          </a:bodyPr>
-          <a:lstStyle>
-            <a:defPPr marR="0" lvl="0" algn="l" rtl="0">
-              <a:lnSpc>
-                <a:spcPct val="100000"/>
-              </a:lnSpc>
-              <a:spcBef>
-                <a:spcPts val="0"/>
-              </a:spcBef>
-              <a:spcAft>
-                <a:spcPts val="0"/>
-              </a:spcAft>
-            </a:defPPr>
-            <a:lvl1pPr marL="457200" marR="0" lvl="0" indent="-355600" algn="ctr" rtl="0">
-              <a:lnSpc>
-                <a:spcPct val="100000"/>
-              </a:lnSpc>
-              <a:spcBef>
-                <a:spcPts val="0"/>
-              </a:spcBef>
-              <a:spcAft>
-                <a:spcPts val="0"/>
-              </a:spcAft>
-              <a:buClr>
-                <a:srgbClr val="666666"/>
-              </a:buClr>
-              <a:buSzPts val="2000"/>
-              <a:buFont typeface="Playfair Display"/>
-              <a:buNone/>
-              <a:defRPr sz="2000" b="0" i="1" u="none" strike="noStrike" cap="none">
-                <a:solidFill>
-                  <a:srgbClr val="666666"/>
-                </a:solidFill>
-                <a:highlight>
-                  <a:srgbClr val="F3F3F3"/>
-                </a:highlight>
-                <a:latin typeface="Playfair Display"/>
-                <a:ea typeface="Playfair Display"/>
-                <a:cs typeface="Playfair Display"/>
-                <a:sym typeface="Playfair Display"/>
-              </a:defRPr>
-            </a:lvl1pPr>
-            <a:lvl2pPr marL="914400" marR="0" lvl="1" indent="-355600" algn="ctr" rtl="0">
-              <a:lnSpc>
-                <a:spcPct val="100000"/>
-              </a:lnSpc>
-              <a:spcBef>
-                <a:spcPts val="0"/>
-              </a:spcBef>
-              <a:spcAft>
-                <a:spcPts val="0"/>
-              </a:spcAft>
-              <a:buClr>
-                <a:srgbClr val="666666"/>
-              </a:buClr>
-              <a:buSzPts val="3000"/>
-              <a:buFont typeface="Playfair Display"/>
-              <a:buNone/>
-              <a:defRPr sz="5867" b="0" i="1" u="none" strike="noStrike" cap="none">
-                <a:solidFill>
-                  <a:srgbClr val="666666"/>
-                </a:solidFill>
-                <a:highlight>
-                  <a:srgbClr val="F3F3F3"/>
-                </a:highlight>
-                <a:latin typeface="Playfair Display"/>
-                <a:ea typeface="Playfair Display"/>
-                <a:cs typeface="Playfair Display"/>
-                <a:sym typeface="Playfair Display"/>
-              </a:defRPr>
-            </a:lvl2pPr>
-            <a:lvl3pPr marL="1371600" marR="0" lvl="2" indent="-355600" algn="ctr" rtl="0">
-              <a:lnSpc>
-                <a:spcPct val="100000"/>
-              </a:lnSpc>
-              <a:spcBef>
-                <a:spcPts val="0"/>
-              </a:spcBef>
-              <a:spcAft>
-                <a:spcPts val="0"/>
-              </a:spcAft>
-              <a:buClr>
-                <a:srgbClr val="666666"/>
-              </a:buClr>
-              <a:buSzPts val="3000"/>
-              <a:buFont typeface="Playfair Display"/>
-              <a:buNone/>
-              <a:defRPr sz="5867" b="0" i="1" u="none" strike="noStrike" cap="none">
-                <a:solidFill>
-                  <a:srgbClr val="666666"/>
-                </a:solidFill>
-                <a:highlight>
-                  <a:srgbClr val="F3F3F3"/>
-                </a:highlight>
-                <a:latin typeface="Playfair Display"/>
-                <a:ea typeface="Playfair Display"/>
-                <a:cs typeface="Playfair Display"/>
-                <a:sym typeface="Playfair Display"/>
-              </a:defRPr>
-            </a:lvl3pPr>
-            <a:lvl4pPr marL="1828800" marR="0" lvl="3" indent="-355600" algn="ctr" rtl="0">
-              <a:lnSpc>
-                <a:spcPct val="100000"/>
-              </a:lnSpc>
-              <a:spcBef>
-                <a:spcPts val="0"/>
-              </a:spcBef>
-              <a:spcAft>
-                <a:spcPts val="0"/>
-              </a:spcAft>
-              <a:buClr>
-                <a:srgbClr val="666666"/>
-              </a:buClr>
-              <a:buSzPts val="3000"/>
-              <a:buFont typeface="Playfair Display"/>
-              <a:buNone/>
-              <a:defRPr sz="5867" b="0" i="1" u="none" strike="noStrike" cap="none">
-                <a:solidFill>
-                  <a:srgbClr val="666666"/>
-                </a:solidFill>
-                <a:highlight>
-                  <a:srgbClr val="F3F3F3"/>
-                </a:highlight>
-                <a:latin typeface="Playfair Display"/>
-                <a:ea typeface="Playfair Display"/>
-                <a:cs typeface="Playfair Display"/>
-                <a:sym typeface="Playfair Display"/>
-              </a:defRPr>
-            </a:lvl4pPr>
-            <a:lvl5pPr marL="2286000" marR="0" lvl="4" indent="-355600" algn="ctr" rtl="0">
-              <a:lnSpc>
-                <a:spcPct val="100000"/>
-              </a:lnSpc>
-              <a:spcBef>
-                <a:spcPts val="0"/>
-              </a:spcBef>
-              <a:spcAft>
-                <a:spcPts val="0"/>
-              </a:spcAft>
-              <a:buClr>
-                <a:srgbClr val="666666"/>
-              </a:buClr>
-              <a:buSzPts val="3000"/>
-              <a:buFont typeface="Playfair Display"/>
-              <a:buNone/>
-              <a:defRPr sz="5867" b="0" i="1" u="none" strike="noStrike" cap="none">
-                <a:solidFill>
-                  <a:srgbClr val="666666"/>
-                </a:solidFill>
-                <a:highlight>
-                  <a:srgbClr val="F3F3F3"/>
-                </a:highlight>
-                <a:latin typeface="Playfair Display"/>
-                <a:ea typeface="Playfair Display"/>
-                <a:cs typeface="Playfair Display"/>
-                <a:sym typeface="Playfair Display"/>
-              </a:defRPr>
-            </a:lvl5pPr>
-            <a:lvl6pPr marL="2743200" marR="0" lvl="5" indent="-355600" algn="ctr" rtl="0">
-              <a:lnSpc>
-                <a:spcPct val="100000"/>
-              </a:lnSpc>
-              <a:spcBef>
-                <a:spcPts val="0"/>
-              </a:spcBef>
-              <a:spcAft>
-                <a:spcPts val="0"/>
-              </a:spcAft>
-              <a:buClr>
-                <a:srgbClr val="666666"/>
-              </a:buClr>
-              <a:buSzPts val="3000"/>
-              <a:buFont typeface="Playfair Display"/>
-              <a:buNone/>
-              <a:defRPr sz="5867" b="0" i="1" u="none" strike="noStrike" cap="none">
-                <a:solidFill>
-                  <a:srgbClr val="666666"/>
-                </a:solidFill>
-                <a:highlight>
-                  <a:srgbClr val="F3F3F3"/>
-                </a:highlight>
-                <a:latin typeface="Playfair Display"/>
-                <a:ea typeface="Playfair Display"/>
-                <a:cs typeface="Playfair Display"/>
-                <a:sym typeface="Playfair Display"/>
-              </a:defRPr>
-            </a:lvl6pPr>
-            <a:lvl7pPr marL="3200400" marR="0" lvl="6" indent="-355600" algn="ctr" rtl="0">
-              <a:lnSpc>
-                <a:spcPct val="100000"/>
-              </a:lnSpc>
-              <a:spcBef>
-                <a:spcPts val="0"/>
-              </a:spcBef>
-              <a:spcAft>
-                <a:spcPts val="0"/>
-              </a:spcAft>
-              <a:buClr>
-                <a:srgbClr val="666666"/>
-              </a:buClr>
-              <a:buSzPts val="3000"/>
-              <a:buFont typeface="Playfair Display"/>
-              <a:buNone/>
-              <a:defRPr sz="5867" b="0" i="1" u="none" strike="noStrike" cap="none">
-                <a:solidFill>
-                  <a:srgbClr val="666666"/>
-                </a:solidFill>
-                <a:highlight>
-                  <a:srgbClr val="F3F3F3"/>
-                </a:highlight>
-                <a:latin typeface="Playfair Display"/>
-                <a:ea typeface="Playfair Display"/>
-                <a:cs typeface="Playfair Display"/>
-                <a:sym typeface="Playfair Display"/>
-              </a:defRPr>
-            </a:lvl7pPr>
-            <a:lvl8pPr marL="3657600" marR="0" lvl="7" indent="-355600" algn="ctr" rtl="0">
-              <a:lnSpc>
-                <a:spcPct val="100000"/>
-              </a:lnSpc>
-              <a:spcBef>
-                <a:spcPts val="0"/>
-              </a:spcBef>
-              <a:spcAft>
-                <a:spcPts val="0"/>
-              </a:spcAft>
-              <a:buClr>
-                <a:srgbClr val="666666"/>
-              </a:buClr>
-              <a:buSzPts val="3000"/>
-              <a:buFont typeface="Playfair Display"/>
-              <a:buNone/>
-              <a:defRPr sz="5867" b="0" i="1" u="none" strike="noStrike" cap="none">
-                <a:solidFill>
-                  <a:srgbClr val="666666"/>
-                </a:solidFill>
-                <a:highlight>
-                  <a:srgbClr val="F3F3F3"/>
-                </a:highlight>
-                <a:latin typeface="Playfair Display"/>
-                <a:ea typeface="Playfair Display"/>
-                <a:cs typeface="Playfair Display"/>
-                <a:sym typeface="Playfair Display"/>
-              </a:defRPr>
-            </a:lvl8pPr>
-            <a:lvl9pPr marL="4114800" marR="0" lvl="8" indent="-355600" algn="ctr" rtl="0">
-              <a:lnSpc>
-                <a:spcPct val="100000"/>
-              </a:lnSpc>
-              <a:spcBef>
-                <a:spcPts val="0"/>
-              </a:spcBef>
-              <a:spcAft>
-                <a:spcPts val="0"/>
-              </a:spcAft>
-              <a:buClr>
-                <a:srgbClr val="666666"/>
-              </a:buClr>
-              <a:buSzPts val="3000"/>
-              <a:buFont typeface="Playfair Display"/>
-              <a:buNone/>
-              <a:defRPr sz="5867" b="0" i="1" u="none" strike="noStrike" cap="none">
-                <a:solidFill>
-                  <a:srgbClr val="666666"/>
-                </a:solidFill>
-                <a:highlight>
-                  <a:srgbClr val="F3F3F3"/>
-                </a:highlight>
-                <a:latin typeface="Playfair Display"/>
-                <a:ea typeface="Playfair Display"/>
-                <a:cs typeface="Playfair Display"/>
-                <a:sym typeface="Playfair Display"/>
-              </a:defRPr>
-            </a:lvl9pPr>
-          </a:lstStyle>
-          <a:p>
-            <a:pPr algn="r"/>
-            <a:r>
-              <a:rPr lang="en-US" sz="1600" dirty="0"/>
-              <a:t>How it works:</a:t>
-            </a:r>
-          </a:p>
-          <a:p>
-            <a:pPr algn="r"/>
-            <a:r>
-              <a:rPr lang="en-US" sz="1600" i="0" dirty="0"/>
-              <a:t>We will work hand in hand with  a single employee for a full day(8 hours) making tiny safe refactorings. Leaving the code as clean as we can</a:t>
-            </a:r>
-          </a:p>
-          <a:p>
-            <a:pPr algn="r"/>
-            <a:endParaRPr lang="en-US" sz="1600" dirty="0"/>
-          </a:p>
-          <a:p>
-            <a:pPr algn="r"/>
-            <a:r>
-              <a:rPr lang="en-US" sz="1600" dirty="0"/>
-              <a:t>  </a:t>
-            </a:r>
-          </a:p>
-        </p:txBody>
-      </p:sp>
-      <p:sp>
-        <p:nvSpPr>
-          <p:cNvPr id="11" name="Subtitle 2">
-            <a:extLst>
-              <a:ext uri="{FF2B5EF4-FFF2-40B4-BE49-F238E27FC236}">
-                <a16:creationId xmlns:a16="http://schemas.microsoft.com/office/drawing/2014/main" id="{07922F4F-E5BE-FF44-BE05-F4772AF49A13}"/>
-              </a:ext>
-            </a:extLst>
-          </p:cNvPr>
-          <p:cNvSpPr txBox="1">
-            <a:spLocks/>
-          </p:cNvSpPr>
-          <p:nvPr/>
-        </p:nvSpPr>
-        <p:spPr>
-          <a:xfrm>
-            <a:off x="3784960" y="3682683"/>
-            <a:ext cx="3645519" cy="2386904"/>
-          </a:xfrm>
-          <a:prstGeom prst="rect">
-            <a:avLst/>
-          </a:prstGeom>
-          <a:noFill/>
-          <a:ln>
-            <a:noFill/>
-          </a:ln>
-        </p:spPr>
-        <p:txBody>
-          <a:bodyPr spcFirstLastPara="1" wrap="square" lIns="91425" tIns="91425" rIns="91425" bIns="91425" anchor="t" anchorCtr="0">
-            <a:noAutofit/>
-          </a:bodyPr>
-          <a:lstStyle>
-            <a:defPPr marR="0" lvl="0" algn="l" rtl="0">
-              <a:lnSpc>
-                <a:spcPct val="100000"/>
-              </a:lnSpc>
-              <a:spcBef>
-                <a:spcPts val="0"/>
-              </a:spcBef>
-              <a:spcAft>
-                <a:spcPts val="0"/>
-              </a:spcAft>
-            </a:defPPr>
-            <a:lvl1pPr marL="457200" marR="0" lvl="0" indent="-355600" algn="ctr" rtl="0">
-              <a:lnSpc>
-                <a:spcPct val="100000"/>
-              </a:lnSpc>
-              <a:spcBef>
-                <a:spcPts val="0"/>
-              </a:spcBef>
-              <a:spcAft>
-                <a:spcPts val="0"/>
-              </a:spcAft>
-              <a:buClr>
-                <a:srgbClr val="666666"/>
-              </a:buClr>
-              <a:buSzPts val="2000"/>
-              <a:buFont typeface="Playfair Display"/>
-              <a:buNone/>
-              <a:defRPr sz="2000" b="0" i="1" u="none" strike="noStrike" cap="none">
-                <a:solidFill>
-                  <a:srgbClr val="666666"/>
-                </a:solidFill>
-                <a:highlight>
-                  <a:srgbClr val="F3F3F3"/>
-                </a:highlight>
-                <a:latin typeface="Playfair Display"/>
-                <a:ea typeface="Playfair Display"/>
-                <a:cs typeface="Playfair Display"/>
-                <a:sym typeface="Playfair Display"/>
-              </a:defRPr>
-            </a:lvl1pPr>
-            <a:lvl2pPr marL="914400" marR="0" lvl="1" indent="-355600" algn="ctr" rtl="0">
-              <a:lnSpc>
-                <a:spcPct val="100000"/>
-              </a:lnSpc>
-              <a:spcBef>
-                <a:spcPts val="0"/>
-              </a:spcBef>
-              <a:spcAft>
-                <a:spcPts val="0"/>
-              </a:spcAft>
-              <a:buClr>
-                <a:srgbClr val="666666"/>
-              </a:buClr>
-              <a:buSzPts val="3000"/>
-              <a:buFont typeface="Playfair Display"/>
-              <a:buNone/>
-              <a:defRPr sz="5867" b="0" i="1" u="none" strike="noStrike" cap="none">
-                <a:solidFill>
-                  <a:srgbClr val="666666"/>
-                </a:solidFill>
-                <a:highlight>
-                  <a:srgbClr val="F3F3F3"/>
-                </a:highlight>
-                <a:latin typeface="Playfair Display"/>
-                <a:ea typeface="Playfair Display"/>
-                <a:cs typeface="Playfair Display"/>
-                <a:sym typeface="Playfair Display"/>
-              </a:defRPr>
-            </a:lvl2pPr>
-            <a:lvl3pPr marL="1371600" marR="0" lvl="2" indent="-355600" algn="ctr" rtl="0">
-              <a:lnSpc>
-                <a:spcPct val="100000"/>
-              </a:lnSpc>
-              <a:spcBef>
-                <a:spcPts val="0"/>
-              </a:spcBef>
-              <a:spcAft>
-                <a:spcPts val="0"/>
-              </a:spcAft>
-              <a:buClr>
-                <a:srgbClr val="666666"/>
-              </a:buClr>
-              <a:buSzPts val="3000"/>
-              <a:buFont typeface="Playfair Display"/>
-              <a:buNone/>
-              <a:defRPr sz="5867" b="0" i="1" u="none" strike="noStrike" cap="none">
-                <a:solidFill>
-                  <a:srgbClr val="666666"/>
-                </a:solidFill>
-                <a:highlight>
-                  <a:srgbClr val="F3F3F3"/>
-                </a:highlight>
-                <a:latin typeface="Playfair Display"/>
-                <a:ea typeface="Playfair Display"/>
-                <a:cs typeface="Playfair Display"/>
-                <a:sym typeface="Playfair Display"/>
-              </a:defRPr>
-            </a:lvl3pPr>
-            <a:lvl4pPr marL="1828800" marR="0" lvl="3" indent="-355600" algn="ctr" rtl="0">
-              <a:lnSpc>
-                <a:spcPct val="100000"/>
-              </a:lnSpc>
-              <a:spcBef>
-                <a:spcPts val="0"/>
-              </a:spcBef>
-              <a:spcAft>
-                <a:spcPts val="0"/>
-              </a:spcAft>
-              <a:buClr>
-                <a:srgbClr val="666666"/>
-              </a:buClr>
-              <a:buSzPts val="3000"/>
-              <a:buFont typeface="Playfair Display"/>
-              <a:buNone/>
-              <a:defRPr sz="5867" b="0" i="1" u="none" strike="noStrike" cap="none">
-                <a:solidFill>
-                  <a:srgbClr val="666666"/>
-                </a:solidFill>
-                <a:highlight>
-                  <a:srgbClr val="F3F3F3"/>
-                </a:highlight>
-                <a:latin typeface="Playfair Display"/>
-                <a:ea typeface="Playfair Display"/>
-                <a:cs typeface="Playfair Display"/>
-                <a:sym typeface="Playfair Display"/>
-              </a:defRPr>
-            </a:lvl4pPr>
-            <a:lvl5pPr marL="2286000" marR="0" lvl="4" indent="-355600" algn="ctr" rtl="0">
-              <a:lnSpc>
-                <a:spcPct val="100000"/>
-              </a:lnSpc>
-              <a:spcBef>
-                <a:spcPts val="0"/>
-              </a:spcBef>
-              <a:spcAft>
-                <a:spcPts val="0"/>
-              </a:spcAft>
-              <a:buClr>
-                <a:srgbClr val="666666"/>
-              </a:buClr>
-              <a:buSzPts val="3000"/>
-              <a:buFont typeface="Playfair Display"/>
-              <a:buNone/>
-              <a:defRPr sz="5867" b="0" i="1" u="none" strike="noStrike" cap="none">
-                <a:solidFill>
-                  <a:srgbClr val="666666"/>
-                </a:solidFill>
-                <a:highlight>
-                  <a:srgbClr val="F3F3F3"/>
-                </a:highlight>
-                <a:latin typeface="Playfair Display"/>
-                <a:ea typeface="Playfair Display"/>
-                <a:cs typeface="Playfair Display"/>
-                <a:sym typeface="Playfair Display"/>
-              </a:defRPr>
-            </a:lvl5pPr>
-            <a:lvl6pPr marL="2743200" marR="0" lvl="5" indent="-355600" algn="ctr" rtl="0">
-              <a:lnSpc>
-                <a:spcPct val="100000"/>
-              </a:lnSpc>
-              <a:spcBef>
-                <a:spcPts val="0"/>
-              </a:spcBef>
-              <a:spcAft>
-                <a:spcPts val="0"/>
-              </a:spcAft>
-              <a:buClr>
-                <a:srgbClr val="666666"/>
-              </a:buClr>
-              <a:buSzPts val="3000"/>
-              <a:buFont typeface="Playfair Display"/>
-              <a:buNone/>
-              <a:defRPr sz="5867" b="0" i="1" u="none" strike="noStrike" cap="none">
-                <a:solidFill>
-                  <a:srgbClr val="666666"/>
-                </a:solidFill>
-                <a:highlight>
-                  <a:srgbClr val="F3F3F3"/>
-                </a:highlight>
-                <a:latin typeface="Playfair Display"/>
-                <a:ea typeface="Playfair Display"/>
-                <a:cs typeface="Playfair Display"/>
-                <a:sym typeface="Playfair Display"/>
-              </a:defRPr>
-            </a:lvl6pPr>
-            <a:lvl7pPr marL="3200400" marR="0" lvl="6" indent="-355600" algn="ctr" rtl="0">
-              <a:lnSpc>
-                <a:spcPct val="100000"/>
-              </a:lnSpc>
-              <a:spcBef>
-                <a:spcPts val="0"/>
-              </a:spcBef>
-              <a:spcAft>
-                <a:spcPts val="0"/>
-              </a:spcAft>
-              <a:buClr>
-                <a:srgbClr val="666666"/>
-              </a:buClr>
-              <a:buSzPts val="3000"/>
-              <a:buFont typeface="Playfair Display"/>
-              <a:buNone/>
-              <a:defRPr sz="5867" b="0" i="1" u="none" strike="noStrike" cap="none">
-                <a:solidFill>
-                  <a:srgbClr val="666666"/>
-                </a:solidFill>
-                <a:highlight>
-                  <a:srgbClr val="F3F3F3"/>
-                </a:highlight>
-                <a:latin typeface="Playfair Display"/>
-                <a:ea typeface="Playfair Display"/>
-                <a:cs typeface="Playfair Display"/>
-                <a:sym typeface="Playfair Display"/>
-              </a:defRPr>
-            </a:lvl7pPr>
-            <a:lvl8pPr marL="3657600" marR="0" lvl="7" indent="-355600" algn="ctr" rtl="0">
-              <a:lnSpc>
-                <a:spcPct val="100000"/>
-              </a:lnSpc>
-              <a:spcBef>
-                <a:spcPts val="0"/>
-              </a:spcBef>
-              <a:spcAft>
-                <a:spcPts val="0"/>
-              </a:spcAft>
-              <a:buClr>
-                <a:srgbClr val="666666"/>
-              </a:buClr>
-              <a:buSzPts val="3000"/>
-              <a:buFont typeface="Playfair Display"/>
-              <a:buNone/>
-              <a:defRPr sz="5867" b="0" i="1" u="none" strike="noStrike" cap="none">
-                <a:solidFill>
-                  <a:srgbClr val="666666"/>
-                </a:solidFill>
-                <a:highlight>
-                  <a:srgbClr val="F3F3F3"/>
-                </a:highlight>
-                <a:latin typeface="Playfair Display"/>
-                <a:ea typeface="Playfair Display"/>
-                <a:cs typeface="Playfair Display"/>
-                <a:sym typeface="Playfair Display"/>
-              </a:defRPr>
-            </a:lvl8pPr>
-            <a:lvl9pPr marL="4114800" marR="0" lvl="8" indent="-355600" algn="ctr" rtl="0">
-              <a:lnSpc>
-                <a:spcPct val="100000"/>
-              </a:lnSpc>
-              <a:spcBef>
-                <a:spcPts val="0"/>
-              </a:spcBef>
-              <a:spcAft>
-                <a:spcPts val="0"/>
-              </a:spcAft>
-              <a:buClr>
-                <a:srgbClr val="666666"/>
-              </a:buClr>
-              <a:buSzPts val="3000"/>
-              <a:buFont typeface="Playfair Display"/>
-              <a:buNone/>
-              <a:defRPr sz="5867" b="0" i="1" u="none" strike="noStrike" cap="none">
-                <a:solidFill>
-                  <a:srgbClr val="666666"/>
-                </a:solidFill>
-                <a:highlight>
-                  <a:srgbClr val="F3F3F3"/>
-                </a:highlight>
-                <a:latin typeface="Playfair Display"/>
-                <a:ea typeface="Playfair Display"/>
-                <a:cs typeface="Playfair Display"/>
-                <a:sym typeface="Playfair Display"/>
-              </a:defRPr>
-            </a:lvl9pPr>
-          </a:lstStyle>
-          <a:p>
-            <a:pPr algn="r"/>
-            <a:r>
-              <a:rPr lang="en-US" sz="1600" dirty="0"/>
-              <a:t>The </a:t>
-            </a:r>
-            <a:r>
-              <a:rPr lang="en-US" sz="1600" i="0" dirty="0"/>
-              <a:t>reduced code complexity</a:t>
-            </a:r>
-          </a:p>
-          <a:p>
-            <a:pPr algn="r"/>
-            <a:r>
-              <a:rPr lang="en-US" sz="1600" dirty="0"/>
-              <a:t>leads to :</a:t>
-            </a:r>
-          </a:p>
-          <a:p>
-            <a:pPr algn="r"/>
-            <a:r>
-              <a:rPr lang="en-US" sz="1600" i="0" dirty="0"/>
-              <a:t>Fewer bugs</a:t>
-            </a:r>
-          </a:p>
-          <a:p>
-            <a:pPr algn="r"/>
-            <a:r>
-              <a:rPr lang="en-US" sz="1600" i="0" dirty="0"/>
-              <a:t>Increased velocity</a:t>
-            </a:r>
-          </a:p>
-          <a:p>
-            <a:pPr algn="r"/>
-            <a:r>
-              <a:rPr lang="en-US" sz="1600" i="0" dirty="0"/>
-              <a:t>Higher developer satisfaction</a:t>
-            </a:r>
-          </a:p>
-          <a:p>
-            <a:pPr algn="r"/>
-            <a:endParaRPr lang="en-US" sz="1600" dirty="0"/>
-          </a:p>
-        </p:txBody>
-      </p:sp>
-      <p:sp>
-        <p:nvSpPr>
-          <p:cNvPr id="13" name="Subtitle 2">
-            <a:extLst>
-              <a:ext uri="{FF2B5EF4-FFF2-40B4-BE49-F238E27FC236}">
-                <a16:creationId xmlns:a16="http://schemas.microsoft.com/office/drawing/2014/main" id="{B13C6B27-DFB9-7445-A026-806420D10DDF}"/>
-              </a:ext>
-            </a:extLst>
-          </p:cNvPr>
-          <p:cNvSpPr txBox="1">
-            <a:spLocks/>
-          </p:cNvSpPr>
-          <p:nvPr/>
-        </p:nvSpPr>
-        <p:spPr>
-          <a:xfrm>
-            <a:off x="-1453823" y="9044151"/>
-            <a:ext cx="3645519" cy="769707"/>
-          </a:xfrm>
-          <a:prstGeom prst="rect">
-            <a:avLst/>
-          </a:prstGeom>
-          <a:noFill/>
-          <a:ln>
-            <a:noFill/>
-          </a:ln>
-        </p:spPr>
-        <p:txBody>
-          <a:bodyPr spcFirstLastPara="1" wrap="square" lIns="91425" tIns="91425" rIns="91425" bIns="91425" anchor="t" anchorCtr="0">
-            <a:noAutofit/>
-          </a:bodyPr>
-          <a:lstStyle>
-            <a:defPPr marR="0" lvl="0" algn="l" rtl="0">
-              <a:lnSpc>
-                <a:spcPct val="100000"/>
-              </a:lnSpc>
-              <a:spcBef>
-                <a:spcPts val="0"/>
-              </a:spcBef>
-              <a:spcAft>
-                <a:spcPts val="0"/>
-              </a:spcAft>
-            </a:defPPr>
-            <a:lvl1pPr marL="457200" marR="0" lvl="0" indent="-355600" algn="ctr" rtl="0">
-              <a:lnSpc>
-                <a:spcPct val="100000"/>
-              </a:lnSpc>
-              <a:spcBef>
-                <a:spcPts val="0"/>
-              </a:spcBef>
-              <a:spcAft>
-                <a:spcPts val="0"/>
-              </a:spcAft>
-              <a:buClr>
-                <a:srgbClr val="666666"/>
-              </a:buClr>
-              <a:buSzPts val="2000"/>
-              <a:buFont typeface="Playfair Display"/>
-              <a:buNone/>
-              <a:defRPr sz="2000" b="0" i="1" u="none" strike="noStrike" cap="none">
-                <a:solidFill>
-                  <a:srgbClr val="666666"/>
-                </a:solidFill>
-                <a:highlight>
-                  <a:srgbClr val="F3F3F3"/>
-                </a:highlight>
-                <a:latin typeface="Playfair Display"/>
-                <a:ea typeface="Playfair Display"/>
-                <a:cs typeface="Playfair Display"/>
-                <a:sym typeface="Playfair Display"/>
-              </a:defRPr>
-            </a:lvl1pPr>
-            <a:lvl2pPr marL="914400" marR="0" lvl="1" indent="-355600" algn="ctr" rtl="0">
-              <a:lnSpc>
-                <a:spcPct val="100000"/>
-              </a:lnSpc>
-              <a:spcBef>
-                <a:spcPts val="0"/>
-              </a:spcBef>
-              <a:spcAft>
-                <a:spcPts val="0"/>
-              </a:spcAft>
-              <a:buClr>
-                <a:srgbClr val="666666"/>
-              </a:buClr>
-              <a:buSzPts val="3000"/>
-              <a:buFont typeface="Playfair Display"/>
-              <a:buNone/>
-              <a:defRPr sz="5867" b="0" i="1" u="none" strike="noStrike" cap="none">
-                <a:solidFill>
-                  <a:srgbClr val="666666"/>
-                </a:solidFill>
-                <a:highlight>
-                  <a:srgbClr val="F3F3F3"/>
-                </a:highlight>
-                <a:latin typeface="Playfair Display"/>
-                <a:ea typeface="Playfair Display"/>
-                <a:cs typeface="Playfair Display"/>
-                <a:sym typeface="Playfair Display"/>
-              </a:defRPr>
-            </a:lvl2pPr>
-            <a:lvl3pPr marL="1371600" marR="0" lvl="2" indent="-355600" algn="ctr" rtl="0">
-              <a:lnSpc>
-                <a:spcPct val="100000"/>
-              </a:lnSpc>
-              <a:spcBef>
-                <a:spcPts val="0"/>
-              </a:spcBef>
-              <a:spcAft>
-                <a:spcPts val="0"/>
-              </a:spcAft>
-              <a:buClr>
-                <a:srgbClr val="666666"/>
-              </a:buClr>
-              <a:buSzPts val="3000"/>
-              <a:buFont typeface="Playfair Display"/>
-              <a:buNone/>
-              <a:defRPr sz="5867" b="0" i="1" u="none" strike="noStrike" cap="none">
-                <a:solidFill>
-                  <a:srgbClr val="666666"/>
-                </a:solidFill>
-                <a:highlight>
-                  <a:srgbClr val="F3F3F3"/>
-                </a:highlight>
-                <a:latin typeface="Playfair Display"/>
-                <a:ea typeface="Playfair Display"/>
-                <a:cs typeface="Playfair Display"/>
-                <a:sym typeface="Playfair Display"/>
-              </a:defRPr>
-            </a:lvl3pPr>
-            <a:lvl4pPr marL="1828800" marR="0" lvl="3" indent="-355600" algn="ctr" rtl="0">
-              <a:lnSpc>
-                <a:spcPct val="100000"/>
-              </a:lnSpc>
-              <a:spcBef>
-                <a:spcPts val="0"/>
-              </a:spcBef>
-              <a:spcAft>
-                <a:spcPts val="0"/>
-              </a:spcAft>
-              <a:buClr>
-                <a:srgbClr val="666666"/>
-              </a:buClr>
-              <a:buSzPts val="3000"/>
-              <a:buFont typeface="Playfair Display"/>
-              <a:buNone/>
-              <a:defRPr sz="5867" b="0" i="1" u="none" strike="noStrike" cap="none">
-                <a:solidFill>
-                  <a:srgbClr val="666666"/>
-                </a:solidFill>
-                <a:highlight>
-                  <a:srgbClr val="F3F3F3"/>
-                </a:highlight>
-                <a:latin typeface="Playfair Display"/>
-                <a:ea typeface="Playfair Display"/>
-                <a:cs typeface="Playfair Display"/>
-                <a:sym typeface="Playfair Display"/>
-              </a:defRPr>
-            </a:lvl4pPr>
-            <a:lvl5pPr marL="2286000" marR="0" lvl="4" indent="-355600" algn="ctr" rtl="0">
-              <a:lnSpc>
-                <a:spcPct val="100000"/>
-              </a:lnSpc>
-              <a:spcBef>
-                <a:spcPts val="0"/>
-              </a:spcBef>
-              <a:spcAft>
-                <a:spcPts val="0"/>
-              </a:spcAft>
-              <a:buClr>
-                <a:srgbClr val="666666"/>
-              </a:buClr>
-              <a:buSzPts val="3000"/>
-              <a:buFont typeface="Playfair Display"/>
-              <a:buNone/>
-              <a:defRPr sz="5867" b="0" i="1" u="none" strike="noStrike" cap="none">
-                <a:solidFill>
-                  <a:srgbClr val="666666"/>
-                </a:solidFill>
-                <a:highlight>
-                  <a:srgbClr val="F3F3F3"/>
-                </a:highlight>
-                <a:latin typeface="Playfair Display"/>
-                <a:ea typeface="Playfair Display"/>
-                <a:cs typeface="Playfair Display"/>
-                <a:sym typeface="Playfair Display"/>
-              </a:defRPr>
-            </a:lvl5pPr>
-            <a:lvl6pPr marL="2743200" marR="0" lvl="5" indent="-355600" algn="ctr" rtl="0">
-              <a:lnSpc>
-                <a:spcPct val="100000"/>
-              </a:lnSpc>
-              <a:spcBef>
-                <a:spcPts val="0"/>
-              </a:spcBef>
-              <a:spcAft>
-                <a:spcPts val="0"/>
-              </a:spcAft>
-              <a:buClr>
-                <a:srgbClr val="666666"/>
-              </a:buClr>
-              <a:buSzPts val="3000"/>
-              <a:buFont typeface="Playfair Display"/>
-              <a:buNone/>
-              <a:defRPr sz="5867" b="0" i="1" u="none" strike="noStrike" cap="none">
-                <a:solidFill>
-                  <a:srgbClr val="666666"/>
-                </a:solidFill>
-                <a:highlight>
-                  <a:srgbClr val="F3F3F3"/>
-                </a:highlight>
-                <a:latin typeface="Playfair Display"/>
-                <a:ea typeface="Playfair Display"/>
-                <a:cs typeface="Playfair Display"/>
-                <a:sym typeface="Playfair Display"/>
-              </a:defRPr>
-            </a:lvl6pPr>
-            <a:lvl7pPr marL="3200400" marR="0" lvl="6" indent="-355600" algn="ctr" rtl="0">
-              <a:lnSpc>
-                <a:spcPct val="100000"/>
-              </a:lnSpc>
-              <a:spcBef>
-                <a:spcPts val="0"/>
-              </a:spcBef>
-              <a:spcAft>
-                <a:spcPts val="0"/>
-              </a:spcAft>
-              <a:buClr>
-                <a:srgbClr val="666666"/>
-              </a:buClr>
-              <a:buSzPts val="3000"/>
-              <a:buFont typeface="Playfair Display"/>
-              <a:buNone/>
-              <a:defRPr sz="5867" b="0" i="1" u="none" strike="noStrike" cap="none">
-                <a:solidFill>
-                  <a:srgbClr val="666666"/>
-                </a:solidFill>
-                <a:highlight>
-                  <a:srgbClr val="F3F3F3"/>
-                </a:highlight>
-                <a:latin typeface="Playfair Display"/>
-                <a:ea typeface="Playfair Display"/>
-                <a:cs typeface="Playfair Display"/>
-                <a:sym typeface="Playfair Display"/>
-              </a:defRPr>
-            </a:lvl7pPr>
-            <a:lvl8pPr marL="3657600" marR="0" lvl="7" indent="-355600" algn="ctr" rtl="0">
-              <a:lnSpc>
-                <a:spcPct val="100000"/>
-              </a:lnSpc>
-              <a:spcBef>
-                <a:spcPts val="0"/>
-              </a:spcBef>
-              <a:spcAft>
-                <a:spcPts val="0"/>
-              </a:spcAft>
-              <a:buClr>
-                <a:srgbClr val="666666"/>
-              </a:buClr>
-              <a:buSzPts val="3000"/>
-              <a:buFont typeface="Playfair Display"/>
-              <a:buNone/>
-              <a:defRPr sz="5867" b="0" i="1" u="none" strike="noStrike" cap="none">
-                <a:solidFill>
-                  <a:srgbClr val="666666"/>
-                </a:solidFill>
-                <a:highlight>
-                  <a:srgbClr val="F3F3F3"/>
-                </a:highlight>
-                <a:latin typeface="Playfair Display"/>
-                <a:ea typeface="Playfair Display"/>
-                <a:cs typeface="Playfair Display"/>
-                <a:sym typeface="Playfair Display"/>
-              </a:defRPr>
-            </a:lvl8pPr>
-            <a:lvl9pPr marL="4114800" marR="0" lvl="8" indent="-355600" algn="ctr" rtl="0">
-              <a:lnSpc>
-                <a:spcPct val="100000"/>
-              </a:lnSpc>
-              <a:spcBef>
-                <a:spcPts val="0"/>
-              </a:spcBef>
-              <a:spcAft>
-                <a:spcPts val="0"/>
-              </a:spcAft>
-              <a:buClr>
-                <a:srgbClr val="666666"/>
-              </a:buClr>
-              <a:buSzPts val="3000"/>
-              <a:buFont typeface="Playfair Display"/>
-              <a:buNone/>
-              <a:defRPr sz="5867" b="0" i="1" u="none" strike="noStrike" cap="none">
-                <a:solidFill>
-                  <a:srgbClr val="666666"/>
-                </a:solidFill>
-                <a:highlight>
-                  <a:srgbClr val="F3F3F3"/>
-                </a:highlight>
-                <a:latin typeface="Playfair Display"/>
-                <a:ea typeface="Playfair Display"/>
-                <a:cs typeface="Playfair Display"/>
-                <a:sym typeface="Playfair Display"/>
-              </a:defRPr>
-            </a:lvl9pPr>
-          </a:lstStyle>
-          <a:p>
-            <a:pPr algn="r"/>
-            <a:r>
-              <a:rPr lang="en-US" sz="1600" dirty="0" err="1"/>
-              <a:t>info@spunlabs.com</a:t>
-            </a:r>
-            <a:endParaRPr lang="en-US" sz="1600" dirty="0"/>
-          </a:p>
-        </p:txBody>
-      </p:sp>
-      <p:sp>
-        <p:nvSpPr>
-          <p:cNvPr id="14" name="Subtitle 2">
-            <a:extLst>
-              <a:ext uri="{FF2B5EF4-FFF2-40B4-BE49-F238E27FC236}">
-                <a16:creationId xmlns:a16="http://schemas.microsoft.com/office/drawing/2014/main" id="{71E126E0-74B2-E247-8412-11D1CB482614}"/>
-              </a:ext>
-            </a:extLst>
-          </p:cNvPr>
-          <p:cNvSpPr txBox="1">
-            <a:spLocks/>
-          </p:cNvSpPr>
-          <p:nvPr/>
-        </p:nvSpPr>
-        <p:spPr>
-          <a:xfrm>
-            <a:off x="123984" y="6575512"/>
-            <a:ext cx="3645519" cy="2386904"/>
-          </a:xfrm>
-          <a:prstGeom prst="rect">
-            <a:avLst/>
-          </a:prstGeom>
-          <a:noFill/>
-          <a:ln>
-            <a:noFill/>
-          </a:ln>
-        </p:spPr>
-        <p:txBody>
-          <a:bodyPr spcFirstLastPara="1" wrap="square" lIns="91425" tIns="91425" rIns="91425" bIns="91425" anchor="t" anchorCtr="0">
-            <a:noAutofit/>
-          </a:bodyPr>
-          <a:lstStyle>
-            <a:defPPr marR="0" lvl="0" algn="l" rtl="0">
-              <a:lnSpc>
-                <a:spcPct val="100000"/>
-              </a:lnSpc>
-              <a:spcBef>
-                <a:spcPts val="0"/>
-              </a:spcBef>
-              <a:spcAft>
-                <a:spcPts val="0"/>
-              </a:spcAft>
-            </a:defPPr>
-            <a:lvl1pPr marL="457200" marR="0" lvl="0" indent="-355600" algn="ctr" rtl="0">
-              <a:lnSpc>
-                <a:spcPct val="100000"/>
-              </a:lnSpc>
-              <a:spcBef>
-                <a:spcPts val="0"/>
-              </a:spcBef>
-              <a:spcAft>
-                <a:spcPts val="0"/>
-              </a:spcAft>
-              <a:buClr>
-                <a:srgbClr val="666666"/>
-              </a:buClr>
-              <a:buSzPts val="2000"/>
-              <a:buFont typeface="Playfair Display"/>
-              <a:buNone/>
-              <a:defRPr sz="2000" b="0" i="1" u="none" strike="noStrike" cap="none">
-                <a:solidFill>
-                  <a:srgbClr val="666666"/>
-                </a:solidFill>
-                <a:highlight>
-                  <a:srgbClr val="F3F3F3"/>
-                </a:highlight>
-                <a:latin typeface="Playfair Display"/>
-                <a:ea typeface="Playfair Display"/>
-                <a:cs typeface="Playfair Display"/>
-                <a:sym typeface="Playfair Display"/>
-              </a:defRPr>
-            </a:lvl1pPr>
-            <a:lvl2pPr marL="914400" marR="0" lvl="1" indent="-355600" algn="ctr" rtl="0">
-              <a:lnSpc>
-                <a:spcPct val="100000"/>
-              </a:lnSpc>
-              <a:spcBef>
-                <a:spcPts val="0"/>
-              </a:spcBef>
-              <a:spcAft>
-                <a:spcPts val="0"/>
-              </a:spcAft>
-              <a:buClr>
-                <a:srgbClr val="666666"/>
-              </a:buClr>
-              <a:buSzPts val="3000"/>
-              <a:buFont typeface="Playfair Display"/>
-              <a:buNone/>
-              <a:defRPr sz="5867" b="0" i="1" u="none" strike="noStrike" cap="none">
-                <a:solidFill>
-                  <a:srgbClr val="666666"/>
-                </a:solidFill>
-                <a:highlight>
-                  <a:srgbClr val="F3F3F3"/>
-                </a:highlight>
-                <a:latin typeface="Playfair Display"/>
-                <a:ea typeface="Playfair Display"/>
-                <a:cs typeface="Playfair Display"/>
-                <a:sym typeface="Playfair Display"/>
-              </a:defRPr>
-            </a:lvl2pPr>
-            <a:lvl3pPr marL="1371600" marR="0" lvl="2" indent="-355600" algn="ctr" rtl="0">
-              <a:lnSpc>
-                <a:spcPct val="100000"/>
-              </a:lnSpc>
-              <a:spcBef>
-                <a:spcPts val="0"/>
-              </a:spcBef>
-              <a:spcAft>
-                <a:spcPts val="0"/>
-              </a:spcAft>
-              <a:buClr>
-                <a:srgbClr val="666666"/>
-              </a:buClr>
-              <a:buSzPts val="3000"/>
-              <a:buFont typeface="Playfair Display"/>
-              <a:buNone/>
-              <a:defRPr sz="5867" b="0" i="1" u="none" strike="noStrike" cap="none">
-                <a:solidFill>
-                  <a:srgbClr val="666666"/>
-                </a:solidFill>
-                <a:highlight>
-                  <a:srgbClr val="F3F3F3"/>
-                </a:highlight>
-                <a:latin typeface="Playfair Display"/>
-                <a:ea typeface="Playfair Display"/>
-                <a:cs typeface="Playfair Display"/>
-                <a:sym typeface="Playfair Display"/>
-              </a:defRPr>
-            </a:lvl3pPr>
-            <a:lvl4pPr marL="1828800" marR="0" lvl="3" indent="-355600" algn="ctr" rtl="0">
-              <a:lnSpc>
-                <a:spcPct val="100000"/>
-              </a:lnSpc>
-              <a:spcBef>
-                <a:spcPts val="0"/>
-              </a:spcBef>
-              <a:spcAft>
-                <a:spcPts val="0"/>
-              </a:spcAft>
-              <a:buClr>
-                <a:srgbClr val="666666"/>
-              </a:buClr>
-              <a:buSzPts val="3000"/>
-              <a:buFont typeface="Playfair Display"/>
-              <a:buNone/>
-              <a:defRPr sz="5867" b="0" i="1" u="none" strike="noStrike" cap="none">
-                <a:solidFill>
-                  <a:srgbClr val="666666"/>
-                </a:solidFill>
-                <a:highlight>
-                  <a:srgbClr val="F3F3F3"/>
-                </a:highlight>
-                <a:latin typeface="Playfair Display"/>
-                <a:ea typeface="Playfair Display"/>
-                <a:cs typeface="Playfair Display"/>
-                <a:sym typeface="Playfair Display"/>
-              </a:defRPr>
-            </a:lvl4pPr>
-            <a:lvl5pPr marL="2286000" marR="0" lvl="4" indent="-355600" algn="ctr" rtl="0">
-              <a:lnSpc>
-                <a:spcPct val="100000"/>
-              </a:lnSpc>
-              <a:spcBef>
-                <a:spcPts val="0"/>
-              </a:spcBef>
-              <a:spcAft>
-                <a:spcPts val="0"/>
-              </a:spcAft>
-              <a:buClr>
-                <a:srgbClr val="666666"/>
-              </a:buClr>
-              <a:buSzPts val="3000"/>
-              <a:buFont typeface="Playfair Display"/>
-              <a:buNone/>
-              <a:defRPr sz="5867" b="0" i="1" u="none" strike="noStrike" cap="none">
-                <a:solidFill>
-                  <a:srgbClr val="666666"/>
-                </a:solidFill>
-                <a:highlight>
-                  <a:srgbClr val="F3F3F3"/>
-                </a:highlight>
-                <a:latin typeface="Playfair Display"/>
-                <a:ea typeface="Playfair Display"/>
-                <a:cs typeface="Playfair Display"/>
-                <a:sym typeface="Playfair Display"/>
-              </a:defRPr>
-            </a:lvl5pPr>
-            <a:lvl6pPr marL="2743200" marR="0" lvl="5" indent="-355600" algn="ctr" rtl="0">
-              <a:lnSpc>
-                <a:spcPct val="100000"/>
-              </a:lnSpc>
-              <a:spcBef>
-                <a:spcPts val="0"/>
-              </a:spcBef>
-              <a:spcAft>
-                <a:spcPts val="0"/>
-              </a:spcAft>
-              <a:buClr>
-                <a:srgbClr val="666666"/>
-              </a:buClr>
-              <a:buSzPts val="3000"/>
-              <a:buFont typeface="Playfair Display"/>
-              <a:buNone/>
-              <a:defRPr sz="5867" b="0" i="1" u="none" strike="noStrike" cap="none">
-                <a:solidFill>
-                  <a:srgbClr val="666666"/>
-                </a:solidFill>
-                <a:highlight>
-                  <a:srgbClr val="F3F3F3"/>
-                </a:highlight>
-                <a:latin typeface="Playfair Display"/>
-                <a:ea typeface="Playfair Display"/>
-                <a:cs typeface="Playfair Display"/>
-                <a:sym typeface="Playfair Display"/>
-              </a:defRPr>
-            </a:lvl6pPr>
-            <a:lvl7pPr marL="3200400" marR="0" lvl="6" indent="-355600" algn="ctr" rtl="0">
-              <a:lnSpc>
-                <a:spcPct val="100000"/>
-              </a:lnSpc>
-              <a:spcBef>
-                <a:spcPts val="0"/>
-              </a:spcBef>
-              <a:spcAft>
-                <a:spcPts val="0"/>
-              </a:spcAft>
-              <a:buClr>
-                <a:srgbClr val="666666"/>
-              </a:buClr>
-              <a:buSzPts val="3000"/>
-              <a:buFont typeface="Playfair Display"/>
-              <a:buNone/>
-              <a:defRPr sz="5867" b="0" i="1" u="none" strike="noStrike" cap="none">
-                <a:solidFill>
-                  <a:srgbClr val="666666"/>
-                </a:solidFill>
-                <a:highlight>
-                  <a:srgbClr val="F3F3F3"/>
-                </a:highlight>
-                <a:latin typeface="Playfair Display"/>
-                <a:ea typeface="Playfair Display"/>
-                <a:cs typeface="Playfair Display"/>
-                <a:sym typeface="Playfair Display"/>
-              </a:defRPr>
-            </a:lvl7pPr>
-            <a:lvl8pPr marL="3657600" marR="0" lvl="7" indent="-355600" algn="ctr" rtl="0">
-              <a:lnSpc>
-                <a:spcPct val="100000"/>
-              </a:lnSpc>
-              <a:spcBef>
-                <a:spcPts val="0"/>
-              </a:spcBef>
-              <a:spcAft>
-                <a:spcPts val="0"/>
-              </a:spcAft>
-              <a:buClr>
-                <a:srgbClr val="666666"/>
-              </a:buClr>
-              <a:buSzPts val="3000"/>
-              <a:buFont typeface="Playfair Display"/>
-              <a:buNone/>
-              <a:defRPr sz="5867" b="0" i="1" u="none" strike="noStrike" cap="none">
-                <a:solidFill>
-                  <a:srgbClr val="666666"/>
-                </a:solidFill>
-                <a:highlight>
-                  <a:srgbClr val="F3F3F3"/>
-                </a:highlight>
-                <a:latin typeface="Playfair Display"/>
-                <a:ea typeface="Playfair Display"/>
-                <a:cs typeface="Playfair Display"/>
-                <a:sym typeface="Playfair Display"/>
-              </a:defRPr>
-            </a:lvl8pPr>
-            <a:lvl9pPr marL="4114800" marR="0" lvl="8" indent="-355600" algn="ctr" rtl="0">
-              <a:lnSpc>
-                <a:spcPct val="100000"/>
-              </a:lnSpc>
-              <a:spcBef>
-                <a:spcPts val="0"/>
-              </a:spcBef>
-              <a:spcAft>
-                <a:spcPts val="0"/>
-              </a:spcAft>
-              <a:buClr>
-                <a:srgbClr val="666666"/>
-              </a:buClr>
-              <a:buSzPts val="3000"/>
-              <a:buFont typeface="Playfair Display"/>
-              <a:buNone/>
-              <a:defRPr sz="5867" b="0" i="1" u="none" strike="noStrike" cap="none">
-                <a:solidFill>
-                  <a:srgbClr val="666666"/>
-                </a:solidFill>
-                <a:highlight>
-                  <a:srgbClr val="F3F3F3"/>
-                </a:highlight>
-                <a:latin typeface="Playfair Display"/>
-                <a:ea typeface="Playfair Display"/>
-                <a:cs typeface="Playfair Display"/>
-                <a:sym typeface="Playfair Display"/>
-              </a:defRPr>
-            </a:lvl9pPr>
-          </a:lstStyle>
-          <a:p>
-            <a:pPr algn="l"/>
-            <a:r>
-              <a:rPr lang="en-US" sz="1600" dirty="0"/>
-              <a:t>Who we are:</a:t>
-            </a:r>
-          </a:p>
-          <a:p>
-            <a:pPr algn="l"/>
-            <a:r>
-              <a:rPr lang="en-US" sz="1600" i="0" dirty="0"/>
-              <a:t>Jay Bazuzi &amp; Llewellyn Falco are legacy code specialists. Let us refactor your most complex and difficult code.</a:t>
-            </a:r>
-          </a:p>
-        </p:txBody>
-      </p:sp>
-      <p:sp>
-        <p:nvSpPr>
-          <p:cNvPr id="16" name="Subtitle 2">
-            <a:extLst>
-              <a:ext uri="{FF2B5EF4-FFF2-40B4-BE49-F238E27FC236}">
-                <a16:creationId xmlns:a16="http://schemas.microsoft.com/office/drawing/2014/main" id="{66469FFB-4C5C-1D42-8BF3-779107A39969}"/>
-              </a:ext>
-            </a:extLst>
-          </p:cNvPr>
-          <p:cNvSpPr txBox="1">
-            <a:spLocks/>
-          </p:cNvSpPr>
-          <p:nvPr/>
-        </p:nvSpPr>
-        <p:spPr>
-          <a:xfrm>
-            <a:off x="5758843" y="8622854"/>
-            <a:ext cx="1677761" cy="1171902"/>
-          </a:xfrm>
-          <a:prstGeom prst="rect">
-            <a:avLst/>
-          </a:prstGeom>
-          <a:noFill/>
-          <a:ln>
-            <a:noFill/>
-          </a:ln>
-        </p:spPr>
-        <p:txBody>
-          <a:bodyPr spcFirstLastPara="1" wrap="square" lIns="91425" tIns="91425" rIns="91425" bIns="91425" anchor="t" anchorCtr="0">
-            <a:noAutofit/>
-          </a:bodyPr>
-          <a:lstStyle>
-            <a:defPPr marR="0" lvl="0" algn="l" rtl="0">
-              <a:lnSpc>
-                <a:spcPct val="100000"/>
-              </a:lnSpc>
-              <a:spcBef>
-                <a:spcPts val="0"/>
-              </a:spcBef>
-              <a:spcAft>
-                <a:spcPts val="0"/>
-              </a:spcAft>
-            </a:defPPr>
-            <a:lvl1pPr marL="457200" marR="0" lvl="0" indent="-355600" algn="ctr" rtl="0">
-              <a:lnSpc>
-                <a:spcPct val="100000"/>
-              </a:lnSpc>
-              <a:spcBef>
-                <a:spcPts val="0"/>
-              </a:spcBef>
-              <a:spcAft>
-                <a:spcPts val="0"/>
-              </a:spcAft>
-              <a:buClr>
-                <a:srgbClr val="666666"/>
-              </a:buClr>
-              <a:buSzPts val="2000"/>
-              <a:buFont typeface="Playfair Display"/>
-              <a:buNone/>
-              <a:defRPr sz="2000" b="0" i="1" u="none" strike="noStrike" cap="none">
-                <a:solidFill>
-                  <a:srgbClr val="666666"/>
-                </a:solidFill>
-                <a:highlight>
-                  <a:srgbClr val="F3F3F3"/>
-                </a:highlight>
-                <a:latin typeface="Playfair Display"/>
-                <a:ea typeface="Playfair Display"/>
-                <a:cs typeface="Playfair Display"/>
-                <a:sym typeface="Playfair Display"/>
-              </a:defRPr>
-            </a:lvl1pPr>
-            <a:lvl2pPr marL="914400" marR="0" lvl="1" indent="-355600" algn="ctr" rtl="0">
-              <a:lnSpc>
-                <a:spcPct val="100000"/>
-              </a:lnSpc>
-              <a:spcBef>
-                <a:spcPts val="0"/>
-              </a:spcBef>
-              <a:spcAft>
-                <a:spcPts val="0"/>
-              </a:spcAft>
-              <a:buClr>
-                <a:srgbClr val="666666"/>
-              </a:buClr>
-              <a:buSzPts val="3000"/>
-              <a:buFont typeface="Playfair Display"/>
-              <a:buNone/>
-              <a:defRPr sz="5867" b="0" i="1" u="none" strike="noStrike" cap="none">
-                <a:solidFill>
-                  <a:srgbClr val="666666"/>
-                </a:solidFill>
-                <a:highlight>
-                  <a:srgbClr val="F3F3F3"/>
-                </a:highlight>
-                <a:latin typeface="Playfair Display"/>
-                <a:ea typeface="Playfair Display"/>
-                <a:cs typeface="Playfair Display"/>
-                <a:sym typeface="Playfair Display"/>
-              </a:defRPr>
-            </a:lvl2pPr>
-            <a:lvl3pPr marL="1371600" marR="0" lvl="2" indent="-355600" algn="ctr" rtl="0">
-              <a:lnSpc>
-                <a:spcPct val="100000"/>
-              </a:lnSpc>
-              <a:spcBef>
-                <a:spcPts val="0"/>
-              </a:spcBef>
-              <a:spcAft>
-                <a:spcPts val="0"/>
-              </a:spcAft>
-              <a:buClr>
-                <a:srgbClr val="666666"/>
-              </a:buClr>
-              <a:buSzPts val="3000"/>
-              <a:buFont typeface="Playfair Display"/>
-              <a:buNone/>
-              <a:defRPr sz="5867" b="0" i="1" u="none" strike="noStrike" cap="none">
-                <a:solidFill>
-                  <a:srgbClr val="666666"/>
-                </a:solidFill>
-                <a:highlight>
-                  <a:srgbClr val="F3F3F3"/>
-                </a:highlight>
-                <a:latin typeface="Playfair Display"/>
-                <a:ea typeface="Playfair Display"/>
-                <a:cs typeface="Playfair Display"/>
-                <a:sym typeface="Playfair Display"/>
-              </a:defRPr>
-            </a:lvl3pPr>
-            <a:lvl4pPr marL="1828800" marR="0" lvl="3" indent="-355600" algn="ctr" rtl="0">
-              <a:lnSpc>
-                <a:spcPct val="100000"/>
-              </a:lnSpc>
-              <a:spcBef>
-                <a:spcPts val="0"/>
-              </a:spcBef>
-              <a:spcAft>
-                <a:spcPts val="0"/>
-              </a:spcAft>
-              <a:buClr>
-                <a:srgbClr val="666666"/>
-              </a:buClr>
-              <a:buSzPts val="3000"/>
-              <a:buFont typeface="Playfair Display"/>
-              <a:buNone/>
-              <a:defRPr sz="5867" b="0" i="1" u="none" strike="noStrike" cap="none">
-                <a:solidFill>
-                  <a:srgbClr val="666666"/>
-                </a:solidFill>
-                <a:highlight>
-                  <a:srgbClr val="F3F3F3"/>
-                </a:highlight>
-                <a:latin typeface="Playfair Display"/>
-                <a:ea typeface="Playfair Display"/>
-                <a:cs typeface="Playfair Display"/>
-                <a:sym typeface="Playfair Display"/>
-              </a:defRPr>
-            </a:lvl4pPr>
-            <a:lvl5pPr marL="2286000" marR="0" lvl="4" indent="-355600" algn="ctr" rtl="0">
-              <a:lnSpc>
-                <a:spcPct val="100000"/>
-              </a:lnSpc>
-              <a:spcBef>
-                <a:spcPts val="0"/>
-              </a:spcBef>
-              <a:spcAft>
-                <a:spcPts val="0"/>
-              </a:spcAft>
-              <a:buClr>
-                <a:srgbClr val="666666"/>
-              </a:buClr>
-              <a:buSzPts val="3000"/>
-              <a:buFont typeface="Playfair Display"/>
-              <a:buNone/>
-              <a:defRPr sz="5867" b="0" i="1" u="none" strike="noStrike" cap="none">
-                <a:solidFill>
-                  <a:srgbClr val="666666"/>
-                </a:solidFill>
-                <a:highlight>
-                  <a:srgbClr val="F3F3F3"/>
-                </a:highlight>
-                <a:latin typeface="Playfair Display"/>
-                <a:ea typeface="Playfair Display"/>
-                <a:cs typeface="Playfair Display"/>
-                <a:sym typeface="Playfair Display"/>
-              </a:defRPr>
-            </a:lvl5pPr>
-            <a:lvl6pPr marL="2743200" marR="0" lvl="5" indent="-355600" algn="ctr" rtl="0">
-              <a:lnSpc>
-                <a:spcPct val="100000"/>
-              </a:lnSpc>
-              <a:spcBef>
-                <a:spcPts val="0"/>
-              </a:spcBef>
-              <a:spcAft>
-                <a:spcPts val="0"/>
-              </a:spcAft>
-              <a:buClr>
-                <a:srgbClr val="666666"/>
-              </a:buClr>
-              <a:buSzPts val="3000"/>
-              <a:buFont typeface="Playfair Display"/>
-              <a:buNone/>
-              <a:defRPr sz="5867" b="0" i="1" u="none" strike="noStrike" cap="none">
-                <a:solidFill>
-                  <a:srgbClr val="666666"/>
-                </a:solidFill>
-                <a:highlight>
-                  <a:srgbClr val="F3F3F3"/>
-                </a:highlight>
-                <a:latin typeface="Playfair Display"/>
-                <a:ea typeface="Playfair Display"/>
-                <a:cs typeface="Playfair Display"/>
-                <a:sym typeface="Playfair Display"/>
-              </a:defRPr>
-            </a:lvl6pPr>
-            <a:lvl7pPr marL="3200400" marR="0" lvl="6" indent="-355600" algn="ctr" rtl="0">
-              <a:lnSpc>
-                <a:spcPct val="100000"/>
-              </a:lnSpc>
-              <a:spcBef>
-                <a:spcPts val="0"/>
-              </a:spcBef>
-              <a:spcAft>
-                <a:spcPts val="0"/>
-              </a:spcAft>
-              <a:buClr>
-                <a:srgbClr val="666666"/>
-              </a:buClr>
-              <a:buSzPts val="3000"/>
-              <a:buFont typeface="Playfair Display"/>
-              <a:buNone/>
-              <a:defRPr sz="5867" b="0" i="1" u="none" strike="noStrike" cap="none">
-                <a:solidFill>
-                  <a:srgbClr val="666666"/>
-                </a:solidFill>
-                <a:highlight>
-                  <a:srgbClr val="F3F3F3"/>
-                </a:highlight>
-                <a:latin typeface="Playfair Display"/>
-                <a:ea typeface="Playfair Display"/>
-                <a:cs typeface="Playfair Display"/>
-                <a:sym typeface="Playfair Display"/>
-              </a:defRPr>
-            </a:lvl7pPr>
-            <a:lvl8pPr marL="3657600" marR="0" lvl="7" indent="-355600" algn="ctr" rtl="0">
-              <a:lnSpc>
-                <a:spcPct val="100000"/>
-              </a:lnSpc>
-              <a:spcBef>
-                <a:spcPts val="0"/>
-              </a:spcBef>
-              <a:spcAft>
-                <a:spcPts val="0"/>
-              </a:spcAft>
-              <a:buClr>
-                <a:srgbClr val="666666"/>
-              </a:buClr>
-              <a:buSzPts val="3000"/>
-              <a:buFont typeface="Playfair Display"/>
-              <a:buNone/>
-              <a:defRPr sz="5867" b="0" i="1" u="none" strike="noStrike" cap="none">
-                <a:solidFill>
-                  <a:srgbClr val="666666"/>
-                </a:solidFill>
-                <a:highlight>
-                  <a:srgbClr val="F3F3F3"/>
-                </a:highlight>
-                <a:latin typeface="Playfair Display"/>
-                <a:ea typeface="Playfair Display"/>
-                <a:cs typeface="Playfair Display"/>
-                <a:sym typeface="Playfair Display"/>
-              </a:defRPr>
-            </a:lvl8pPr>
-            <a:lvl9pPr marL="4114800" marR="0" lvl="8" indent="-355600" algn="ctr" rtl="0">
-              <a:lnSpc>
-                <a:spcPct val="100000"/>
-              </a:lnSpc>
-              <a:spcBef>
-                <a:spcPts val="0"/>
-              </a:spcBef>
-              <a:spcAft>
-                <a:spcPts val="0"/>
-              </a:spcAft>
-              <a:buClr>
-                <a:srgbClr val="666666"/>
-              </a:buClr>
-              <a:buSzPts val="3000"/>
-              <a:buFont typeface="Playfair Display"/>
-              <a:buNone/>
-              <a:defRPr sz="5867" b="0" i="1" u="none" strike="noStrike" cap="none">
-                <a:solidFill>
-                  <a:srgbClr val="666666"/>
-                </a:solidFill>
-                <a:highlight>
-                  <a:srgbClr val="F3F3F3"/>
-                </a:highlight>
-                <a:latin typeface="Playfair Display"/>
-                <a:ea typeface="Playfair Display"/>
-                <a:cs typeface="Playfair Display"/>
-                <a:sym typeface="Playfair Display"/>
-              </a:defRPr>
-            </a:lvl9pPr>
-          </a:lstStyle>
-          <a:p>
-            <a:pPr algn="r"/>
-            <a:endParaRPr lang="en-US" sz="1600" dirty="0"/>
-          </a:p>
-          <a:p>
-            <a:pPr algn="r"/>
-            <a:r>
-              <a:rPr lang="en-US" sz="1600" dirty="0"/>
-              <a:t>Cost</a:t>
-            </a:r>
-          </a:p>
-          <a:p>
-            <a:pPr algn="r"/>
-            <a:r>
-              <a:rPr lang="en-US" sz="1600" i="0" dirty="0"/>
-              <a:t>$5k per day</a:t>
-            </a:r>
-          </a:p>
-          <a:p>
-            <a:pPr algn="r"/>
-            <a:endParaRPr lang="en-US" sz="1600" i="0" dirty="0"/>
-          </a:p>
-          <a:p>
-            <a:pPr algn="r"/>
-            <a:r>
-              <a:rPr lang="en-US" sz="1600" dirty="0"/>
-              <a:t>  </a:t>
-            </a:r>
-          </a:p>
-        </p:txBody>
-      </p:sp>
-      <p:sp>
-        <p:nvSpPr>
-          <p:cNvPr id="12" name="Subtitle 2">
-            <a:extLst>
-              <a:ext uri="{FF2B5EF4-FFF2-40B4-BE49-F238E27FC236}">
-                <a16:creationId xmlns:a16="http://schemas.microsoft.com/office/drawing/2014/main" id="{0BB05739-8D79-EB49-928B-855B454B282B}"/>
-              </a:ext>
-            </a:extLst>
-          </p:cNvPr>
-          <p:cNvSpPr txBox="1">
-            <a:spLocks/>
-          </p:cNvSpPr>
-          <p:nvPr/>
-        </p:nvSpPr>
-        <p:spPr>
-          <a:xfrm>
-            <a:off x="-169964" y="3493645"/>
-            <a:ext cx="4723319" cy="2386904"/>
-          </a:xfrm>
-          <a:prstGeom prst="rect">
-            <a:avLst/>
-          </a:prstGeom>
-          <a:noFill/>
-          <a:ln>
-            <a:noFill/>
-          </a:ln>
-        </p:spPr>
-        <p:txBody>
-          <a:bodyPr spcFirstLastPara="1" wrap="square" lIns="91425" tIns="91425" rIns="91425" bIns="91425" anchor="t" anchorCtr="0">
-            <a:noAutofit/>
-          </a:bodyPr>
-          <a:lstStyle>
-            <a:defPPr marR="0" lvl="0" algn="l" rtl="0">
-              <a:lnSpc>
-                <a:spcPct val="100000"/>
-              </a:lnSpc>
-              <a:spcBef>
-                <a:spcPts val="0"/>
-              </a:spcBef>
-              <a:spcAft>
-                <a:spcPts val="0"/>
-              </a:spcAft>
-            </a:defPPr>
-            <a:lvl1pPr marL="457200" marR="0" lvl="0" indent="-355600" algn="ctr" rtl="0">
-              <a:lnSpc>
-                <a:spcPct val="100000"/>
-              </a:lnSpc>
-              <a:spcBef>
-                <a:spcPts val="0"/>
-              </a:spcBef>
-              <a:spcAft>
-                <a:spcPts val="0"/>
-              </a:spcAft>
-              <a:buClr>
-                <a:srgbClr val="666666"/>
-              </a:buClr>
-              <a:buSzPts val="2000"/>
-              <a:buFont typeface="Playfair Display"/>
-              <a:buNone/>
-              <a:defRPr sz="2000" b="0" i="1" u="none" strike="noStrike" cap="none">
-                <a:solidFill>
-                  <a:srgbClr val="666666"/>
-                </a:solidFill>
-                <a:highlight>
-                  <a:srgbClr val="F3F3F3"/>
-                </a:highlight>
-                <a:latin typeface="Playfair Display"/>
-                <a:ea typeface="Playfair Display"/>
-                <a:cs typeface="Playfair Display"/>
-                <a:sym typeface="Playfair Display"/>
-              </a:defRPr>
-            </a:lvl1pPr>
-            <a:lvl2pPr marL="914400" marR="0" lvl="1" indent="-355600" algn="ctr" rtl="0">
-              <a:lnSpc>
-                <a:spcPct val="100000"/>
-              </a:lnSpc>
-              <a:spcBef>
-                <a:spcPts val="0"/>
-              </a:spcBef>
-              <a:spcAft>
-                <a:spcPts val="0"/>
-              </a:spcAft>
-              <a:buClr>
-                <a:srgbClr val="666666"/>
-              </a:buClr>
-              <a:buSzPts val="3000"/>
-              <a:buFont typeface="Playfair Display"/>
-              <a:buNone/>
-              <a:defRPr sz="5867" b="0" i="1" u="none" strike="noStrike" cap="none">
-                <a:solidFill>
-                  <a:srgbClr val="666666"/>
-                </a:solidFill>
-                <a:highlight>
-                  <a:srgbClr val="F3F3F3"/>
-                </a:highlight>
-                <a:latin typeface="Playfair Display"/>
-                <a:ea typeface="Playfair Display"/>
-                <a:cs typeface="Playfair Display"/>
-                <a:sym typeface="Playfair Display"/>
-              </a:defRPr>
-            </a:lvl2pPr>
-            <a:lvl3pPr marL="1371600" marR="0" lvl="2" indent="-355600" algn="ctr" rtl="0">
-              <a:lnSpc>
-                <a:spcPct val="100000"/>
-              </a:lnSpc>
-              <a:spcBef>
-                <a:spcPts val="0"/>
-              </a:spcBef>
-              <a:spcAft>
-                <a:spcPts val="0"/>
-              </a:spcAft>
-              <a:buClr>
-                <a:srgbClr val="666666"/>
-              </a:buClr>
-              <a:buSzPts val="3000"/>
-              <a:buFont typeface="Playfair Display"/>
-              <a:buNone/>
-              <a:defRPr sz="5867" b="0" i="1" u="none" strike="noStrike" cap="none">
-                <a:solidFill>
-                  <a:srgbClr val="666666"/>
-                </a:solidFill>
-                <a:highlight>
-                  <a:srgbClr val="F3F3F3"/>
-                </a:highlight>
-                <a:latin typeface="Playfair Display"/>
-                <a:ea typeface="Playfair Display"/>
-                <a:cs typeface="Playfair Display"/>
-                <a:sym typeface="Playfair Display"/>
-              </a:defRPr>
-            </a:lvl3pPr>
-            <a:lvl4pPr marL="1828800" marR="0" lvl="3" indent="-355600" algn="ctr" rtl="0">
-              <a:lnSpc>
-                <a:spcPct val="100000"/>
-              </a:lnSpc>
-              <a:spcBef>
-                <a:spcPts val="0"/>
-              </a:spcBef>
-              <a:spcAft>
-                <a:spcPts val="0"/>
-              </a:spcAft>
-              <a:buClr>
-                <a:srgbClr val="666666"/>
-              </a:buClr>
-              <a:buSzPts val="3000"/>
-              <a:buFont typeface="Playfair Display"/>
-              <a:buNone/>
-              <a:defRPr sz="5867" b="0" i="1" u="none" strike="noStrike" cap="none">
-                <a:solidFill>
-                  <a:srgbClr val="666666"/>
-                </a:solidFill>
-                <a:highlight>
-                  <a:srgbClr val="F3F3F3"/>
-                </a:highlight>
-                <a:latin typeface="Playfair Display"/>
-                <a:ea typeface="Playfair Display"/>
-                <a:cs typeface="Playfair Display"/>
-                <a:sym typeface="Playfair Display"/>
-              </a:defRPr>
-            </a:lvl4pPr>
-            <a:lvl5pPr marL="2286000" marR="0" lvl="4" indent="-355600" algn="ctr" rtl="0">
-              <a:lnSpc>
-                <a:spcPct val="100000"/>
-              </a:lnSpc>
-              <a:spcBef>
-                <a:spcPts val="0"/>
-              </a:spcBef>
-              <a:spcAft>
-                <a:spcPts val="0"/>
-              </a:spcAft>
-              <a:buClr>
-                <a:srgbClr val="666666"/>
-              </a:buClr>
-              <a:buSzPts val="3000"/>
-              <a:buFont typeface="Playfair Display"/>
-              <a:buNone/>
-              <a:defRPr sz="5867" b="0" i="1" u="none" strike="noStrike" cap="none">
-                <a:solidFill>
-                  <a:srgbClr val="666666"/>
-                </a:solidFill>
-                <a:highlight>
-                  <a:srgbClr val="F3F3F3"/>
-                </a:highlight>
-                <a:latin typeface="Playfair Display"/>
-                <a:ea typeface="Playfair Display"/>
-                <a:cs typeface="Playfair Display"/>
-                <a:sym typeface="Playfair Display"/>
-              </a:defRPr>
-            </a:lvl5pPr>
-            <a:lvl6pPr marL="2743200" marR="0" lvl="5" indent="-355600" algn="ctr" rtl="0">
-              <a:lnSpc>
-                <a:spcPct val="100000"/>
-              </a:lnSpc>
-              <a:spcBef>
-                <a:spcPts val="0"/>
-              </a:spcBef>
-              <a:spcAft>
-                <a:spcPts val="0"/>
-              </a:spcAft>
-              <a:buClr>
-                <a:srgbClr val="666666"/>
-              </a:buClr>
-              <a:buSzPts val="3000"/>
-              <a:buFont typeface="Playfair Display"/>
-              <a:buNone/>
-              <a:defRPr sz="5867" b="0" i="1" u="none" strike="noStrike" cap="none">
-                <a:solidFill>
-                  <a:srgbClr val="666666"/>
-                </a:solidFill>
-                <a:highlight>
-                  <a:srgbClr val="F3F3F3"/>
-                </a:highlight>
-                <a:latin typeface="Playfair Display"/>
-                <a:ea typeface="Playfair Display"/>
-                <a:cs typeface="Playfair Display"/>
-                <a:sym typeface="Playfair Display"/>
-              </a:defRPr>
-            </a:lvl6pPr>
-            <a:lvl7pPr marL="3200400" marR="0" lvl="6" indent="-355600" algn="ctr" rtl="0">
-              <a:lnSpc>
-                <a:spcPct val="100000"/>
-              </a:lnSpc>
-              <a:spcBef>
-                <a:spcPts val="0"/>
-              </a:spcBef>
-              <a:spcAft>
-                <a:spcPts val="0"/>
-              </a:spcAft>
-              <a:buClr>
-                <a:srgbClr val="666666"/>
-              </a:buClr>
-              <a:buSzPts val="3000"/>
-              <a:buFont typeface="Playfair Display"/>
-              <a:buNone/>
-              <a:defRPr sz="5867" b="0" i="1" u="none" strike="noStrike" cap="none">
-                <a:solidFill>
-                  <a:srgbClr val="666666"/>
-                </a:solidFill>
-                <a:highlight>
-                  <a:srgbClr val="F3F3F3"/>
-                </a:highlight>
-                <a:latin typeface="Playfair Display"/>
-                <a:ea typeface="Playfair Display"/>
-                <a:cs typeface="Playfair Display"/>
-                <a:sym typeface="Playfair Display"/>
-              </a:defRPr>
-            </a:lvl7pPr>
-            <a:lvl8pPr marL="3657600" marR="0" lvl="7" indent="-355600" algn="ctr" rtl="0">
-              <a:lnSpc>
-                <a:spcPct val="100000"/>
-              </a:lnSpc>
-              <a:spcBef>
-                <a:spcPts val="0"/>
-              </a:spcBef>
-              <a:spcAft>
-                <a:spcPts val="0"/>
-              </a:spcAft>
-              <a:buClr>
-                <a:srgbClr val="666666"/>
-              </a:buClr>
-              <a:buSzPts val="3000"/>
-              <a:buFont typeface="Playfair Display"/>
-              <a:buNone/>
-              <a:defRPr sz="5867" b="0" i="1" u="none" strike="noStrike" cap="none">
-                <a:solidFill>
-                  <a:srgbClr val="666666"/>
-                </a:solidFill>
-                <a:highlight>
-                  <a:srgbClr val="F3F3F3"/>
-                </a:highlight>
-                <a:latin typeface="Playfair Display"/>
-                <a:ea typeface="Playfair Display"/>
-                <a:cs typeface="Playfair Display"/>
-                <a:sym typeface="Playfair Display"/>
-              </a:defRPr>
-            </a:lvl8pPr>
-            <a:lvl9pPr marL="4114800" marR="0" lvl="8" indent="-355600" algn="ctr" rtl="0">
-              <a:lnSpc>
-                <a:spcPct val="100000"/>
-              </a:lnSpc>
-              <a:spcBef>
-                <a:spcPts val="0"/>
-              </a:spcBef>
-              <a:spcAft>
-                <a:spcPts val="0"/>
-              </a:spcAft>
-              <a:buClr>
-                <a:srgbClr val="666666"/>
-              </a:buClr>
-              <a:buSzPts val="3000"/>
-              <a:buFont typeface="Playfair Display"/>
-              <a:buNone/>
-              <a:defRPr sz="5867" b="0" i="1" u="none" strike="noStrike" cap="none">
-                <a:solidFill>
-                  <a:srgbClr val="666666"/>
-                </a:solidFill>
-                <a:highlight>
-                  <a:srgbClr val="F3F3F3"/>
-                </a:highlight>
-                <a:latin typeface="Playfair Display"/>
-                <a:ea typeface="Playfair Display"/>
-                <a:cs typeface="Playfair Display"/>
-                <a:sym typeface="Playfair Display"/>
-              </a:defRPr>
-            </a:lvl9pPr>
-          </a:lstStyle>
-          <a:p>
-            <a:pPr lvl="1" algn="l"/>
-            <a:endParaRPr lang="en-US" sz="2000" i="0" dirty="0"/>
-          </a:p>
-          <a:p>
-            <a:pPr lvl="1" algn="l"/>
-            <a:r>
-              <a:rPr lang="en-US" sz="2000" dirty="0"/>
-              <a:t>Cleaned code will be:</a:t>
-            </a:r>
-          </a:p>
-          <a:p>
-            <a:pPr lvl="1" algn="l"/>
-            <a:endParaRPr lang="en-US" sz="2000" dirty="0"/>
-          </a:p>
-          <a:p>
-            <a:pPr lvl="1" algn="l"/>
-            <a:r>
-              <a:rPr lang="en-US" sz="2000" i="0" dirty="0"/>
-              <a:t>Modular</a:t>
-            </a:r>
-          </a:p>
-          <a:p>
-            <a:pPr lvl="1" algn="l"/>
-            <a:r>
-              <a:rPr lang="en-US" sz="2000" i="0" dirty="0"/>
-              <a:t>Readable</a:t>
-            </a:r>
-          </a:p>
-          <a:p>
-            <a:pPr lvl="1" algn="l"/>
-            <a:r>
-              <a:rPr lang="en-US" sz="2000" i="0" dirty="0"/>
-              <a:t>Testable</a:t>
-            </a:r>
-          </a:p>
-          <a:p>
-            <a:pPr lvl="1" algn="l"/>
-            <a:r>
-              <a:rPr lang="en-US" sz="2000" i="0" dirty="0"/>
-              <a:t>Less Complex</a:t>
-            </a:r>
-          </a:p>
-          <a:p>
-            <a:pPr lvl="1" algn="l"/>
-            <a:r>
-              <a:rPr lang="en-US" sz="2000" i="0" dirty="0"/>
-              <a:t>Functionally equivalent </a:t>
-            </a:r>
-          </a:p>
-          <a:p>
-            <a:pPr lvl="1" algn="l"/>
-            <a:r>
-              <a:rPr lang="en-US" sz="1400" i="0" dirty="0"/>
-              <a:t>(no new bugs or features)</a:t>
-            </a:r>
-            <a:endParaRPr lang="en-US" i="0" dirty="0"/>
-          </a:p>
-        </p:txBody>
-      </p:sp>
-    </p:spTree>
-    <p:extLst>
-      <p:ext uri="{BB962C8B-B14F-4D97-AF65-F5344CB8AC3E}">
-        <p14:creationId xmlns:p14="http://schemas.microsoft.com/office/powerpoint/2010/main" val="1158048026"/>
-      </p:ext>
-    </p:extLst>
-  </p:cSld>
-  <p:clrMapOvr>
-    <a:masterClrMapping/>
-  </p:clrMapOvr>
-</p:sld>
-</file>
-
-<file path=ppt/slides/slide2.xml><?xml version="1.0" encoding="utf-8"?>
-<p:sld xmlns:a="http://schemas.openxmlformats.org/drawingml/2006/main" xmlns:r="http://schemas.openxmlformats.org/officeDocument/2006/relationships" xmlns:p="http://schemas.openxmlformats.org/presentationml/2006/main">
-  <p:cSld>
-    <p:spTree>
-      <p:nvGrpSpPr>
-        <p:cNvPr id="1" name=""/>
-        <p:cNvGrpSpPr/>
-        <p:nvPr/>
-      </p:nvGrpSpPr>
-      <p:grpSpPr>
-        <a:xfrm>
-          <a:off x="0" y="0"/>
-          <a:ext cx="0" cy="0"/>
-          <a:chOff x="0" y="0"/>
-          <a:chExt cx="0" cy="0"/>
-        </a:xfrm>
-      </p:grpSpPr>
-      <p:sp>
-        <p:nvSpPr>
           <p:cNvPr id="33" name="Rectangle 32">
             <a:extLst>
               <a:ext uri="{FF2B5EF4-FFF2-40B4-BE49-F238E27FC236}">
@@ -5322,6 +3156,1257 @@
     <p:extLst>
       <p:ext uri="{BB962C8B-B14F-4D97-AF65-F5344CB8AC3E}">
         <p14:creationId xmlns:p14="http://schemas.microsoft.com/office/powerpoint/2010/main" val="3899792643"/>
+      </p:ext>
+    </p:extLst>
+  </p:cSld>
+  <p:clrMapOvr>
+    <a:masterClrMapping/>
+  </p:clrMapOvr>
+</p:sld>
+</file>
+
+<file path=ppt/slides/slide2.xml><?xml version="1.0" encoding="utf-8"?>
+<p:sld xmlns:a="http://schemas.openxmlformats.org/drawingml/2006/main" xmlns:r="http://schemas.openxmlformats.org/officeDocument/2006/relationships" xmlns:p="http://schemas.openxmlformats.org/presentationml/2006/main">
+  <p:cSld>
+    <p:spTree>
+      <p:nvGrpSpPr>
+        <p:cNvPr id="1" name=""/>
+        <p:cNvGrpSpPr/>
+        <p:nvPr/>
+      </p:nvGrpSpPr>
+      <p:grpSpPr>
+        <a:xfrm>
+          <a:off x="0" y="0"/>
+          <a:ext cx="0" cy="0"/>
+          <a:chOff x="0" y="0"/>
+          <a:chExt cx="0" cy="0"/>
+        </a:xfrm>
+      </p:grpSpPr>
+      <p:sp>
+        <p:nvSpPr>
+          <p:cNvPr id="33" name="Rectangle 32">
+            <a:extLst>
+              <a:ext uri="{FF2B5EF4-FFF2-40B4-BE49-F238E27FC236}">
+                <a16:creationId xmlns:a16="http://schemas.microsoft.com/office/drawing/2014/main" id="{076DCBDF-3BF7-8144-B7AA-CE8AA9CA71D6}"/>
+              </a:ext>
+            </a:extLst>
+          </p:cNvPr>
+          <p:cNvSpPr/>
+          <p:nvPr/>
+        </p:nvSpPr>
+        <p:spPr>
+          <a:xfrm>
+            <a:off x="245642" y="3910241"/>
+            <a:ext cx="2377440" cy="2922369"/>
+          </a:xfrm>
+          <a:prstGeom prst="rect">
+            <a:avLst/>
+          </a:prstGeom>
+          <a:solidFill>
+            <a:schemeClr val="accent3"/>
+          </a:solidFill>
+          <a:ln>
+            <a:noFill/>
+          </a:ln>
+        </p:spPr>
+        <p:style>
+          <a:lnRef idx="2">
+            <a:schemeClr val="accent1">
+              <a:shade val="50000"/>
+            </a:schemeClr>
+          </a:lnRef>
+          <a:fillRef idx="1">
+            <a:schemeClr val="accent1"/>
+          </a:fillRef>
+          <a:effectRef idx="0">
+            <a:schemeClr val="accent1"/>
+          </a:effectRef>
+          <a:fontRef idx="minor">
+            <a:schemeClr val="lt1"/>
+          </a:fontRef>
+        </p:style>
+        <p:txBody>
+          <a:bodyPr rtlCol="0" anchor="ctr"/>
+          <a:lstStyle/>
+          <a:p>
+            <a:pPr algn="ctr"/>
+            <a:endParaRPr lang="en-US" dirty="0"/>
+          </a:p>
+        </p:txBody>
+      </p:sp>
+      <p:sp>
+        <p:nvSpPr>
+          <p:cNvPr id="29" name="Rectangle 28">
+            <a:extLst>
+              <a:ext uri="{FF2B5EF4-FFF2-40B4-BE49-F238E27FC236}">
+                <a16:creationId xmlns:a16="http://schemas.microsoft.com/office/drawing/2014/main" id="{E09334D4-1A35-2144-A34F-69309B0DD07F}"/>
+              </a:ext>
+            </a:extLst>
+          </p:cNvPr>
+          <p:cNvSpPr/>
+          <p:nvPr/>
+        </p:nvSpPr>
+        <p:spPr>
+          <a:xfrm>
+            <a:off x="232534" y="7749285"/>
+            <a:ext cx="7294810" cy="908330"/>
+          </a:xfrm>
+          <a:prstGeom prst="rect">
+            <a:avLst/>
+          </a:prstGeom>
+          <a:solidFill>
+            <a:schemeClr val="accent3"/>
+          </a:solidFill>
+          <a:ln>
+            <a:noFill/>
+          </a:ln>
+        </p:spPr>
+        <p:style>
+          <a:lnRef idx="2">
+            <a:schemeClr val="accent1">
+              <a:shade val="50000"/>
+            </a:schemeClr>
+          </a:lnRef>
+          <a:fillRef idx="1">
+            <a:schemeClr val="accent1"/>
+          </a:fillRef>
+          <a:effectRef idx="0">
+            <a:schemeClr val="accent1"/>
+          </a:effectRef>
+          <a:fontRef idx="minor">
+            <a:schemeClr val="lt1"/>
+          </a:fontRef>
+        </p:style>
+        <p:txBody>
+          <a:bodyPr rtlCol="0" anchor="ctr"/>
+          <a:lstStyle/>
+          <a:p>
+            <a:pPr algn="ctr"/>
+            <a:endParaRPr lang="en-US" dirty="0"/>
+          </a:p>
+        </p:txBody>
+      </p:sp>
+      <p:sp>
+        <p:nvSpPr>
+          <p:cNvPr id="19" name="Rectangle 18">
+            <a:extLst>
+              <a:ext uri="{FF2B5EF4-FFF2-40B4-BE49-F238E27FC236}">
+                <a16:creationId xmlns:a16="http://schemas.microsoft.com/office/drawing/2014/main" id="{E209619E-8981-D543-B0F4-D34BF31E08E1}"/>
+              </a:ext>
+            </a:extLst>
+          </p:cNvPr>
+          <p:cNvSpPr/>
+          <p:nvPr/>
+        </p:nvSpPr>
+        <p:spPr>
+          <a:xfrm>
+            <a:off x="2697480" y="3910241"/>
+            <a:ext cx="2377440" cy="2922369"/>
+          </a:xfrm>
+          <a:prstGeom prst="rect">
+            <a:avLst/>
+          </a:prstGeom>
+          <a:solidFill>
+            <a:schemeClr val="accent3"/>
+          </a:solidFill>
+          <a:ln>
+            <a:noFill/>
+          </a:ln>
+        </p:spPr>
+        <p:style>
+          <a:lnRef idx="2">
+            <a:schemeClr val="accent1">
+              <a:shade val="50000"/>
+            </a:schemeClr>
+          </a:lnRef>
+          <a:fillRef idx="1">
+            <a:schemeClr val="accent1"/>
+          </a:fillRef>
+          <a:effectRef idx="0">
+            <a:schemeClr val="accent1"/>
+          </a:effectRef>
+          <a:fontRef idx="minor">
+            <a:schemeClr val="lt1"/>
+          </a:fontRef>
+        </p:style>
+        <p:txBody>
+          <a:bodyPr rtlCol="0" anchor="ctr"/>
+          <a:lstStyle/>
+          <a:p>
+            <a:pPr algn="ctr"/>
+            <a:endParaRPr lang="en-US" dirty="0"/>
+          </a:p>
+        </p:txBody>
+      </p:sp>
+      <p:sp>
+        <p:nvSpPr>
+          <p:cNvPr id="20" name="Rectangle 19">
+            <a:extLst>
+              <a:ext uri="{FF2B5EF4-FFF2-40B4-BE49-F238E27FC236}">
+                <a16:creationId xmlns:a16="http://schemas.microsoft.com/office/drawing/2014/main" id="{BC254CF3-E4F8-544B-B317-A0CEEED79E76}"/>
+              </a:ext>
+            </a:extLst>
+          </p:cNvPr>
+          <p:cNvSpPr/>
+          <p:nvPr/>
+        </p:nvSpPr>
+        <p:spPr>
+          <a:xfrm>
+            <a:off x="5150032" y="3910241"/>
+            <a:ext cx="2377440" cy="2922369"/>
+          </a:xfrm>
+          <a:prstGeom prst="rect">
+            <a:avLst/>
+          </a:prstGeom>
+          <a:solidFill>
+            <a:schemeClr val="accent3"/>
+          </a:solidFill>
+          <a:ln>
+            <a:noFill/>
+          </a:ln>
+        </p:spPr>
+        <p:style>
+          <a:lnRef idx="2">
+            <a:schemeClr val="accent1">
+              <a:shade val="50000"/>
+            </a:schemeClr>
+          </a:lnRef>
+          <a:fillRef idx="1">
+            <a:schemeClr val="accent1"/>
+          </a:fillRef>
+          <a:effectRef idx="0">
+            <a:schemeClr val="accent1"/>
+          </a:effectRef>
+          <a:fontRef idx="minor">
+            <a:schemeClr val="lt1"/>
+          </a:fontRef>
+        </p:style>
+        <p:txBody>
+          <a:bodyPr rtlCol="0" anchor="ctr"/>
+          <a:lstStyle/>
+          <a:p>
+            <a:pPr algn="ctr"/>
+            <a:endParaRPr lang="en-US" dirty="0"/>
+          </a:p>
+        </p:txBody>
+      </p:sp>
+      <p:sp>
+        <p:nvSpPr>
+          <p:cNvPr id="2" name="Title 1">
+            <a:extLst>
+              <a:ext uri="{FF2B5EF4-FFF2-40B4-BE49-F238E27FC236}">
+                <a16:creationId xmlns:a16="http://schemas.microsoft.com/office/drawing/2014/main" id="{90B634A8-9F2A-644D-BA1A-47F100949845}"/>
+              </a:ext>
+            </a:extLst>
+          </p:cNvPr>
+          <p:cNvSpPr>
+            <a:spLocks noGrp="1"/>
+          </p:cNvSpPr>
+          <p:nvPr>
+            <p:ph type="ctrTitle"/>
+          </p:nvPr>
+        </p:nvSpPr>
+        <p:spPr>
+          <a:xfrm>
+            <a:off x="605079" y="578236"/>
+            <a:ext cx="6562242" cy="1478626"/>
+          </a:xfrm>
+        </p:spPr>
+        <p:txBody>
+          <a:bodyPr/>
+          <a:lstStyle/>
+          <a:p>
+            <a:r>
+              <a:rPr lang="en-US" b="1" dirty="0">
+                <a:solidFill>
+                  <a:schemeClr val="tx1">
+                    <a:lumMod val="50000"/>
+                    <a:lumOff val="50000"/>
+                  </a:schemeClr>
+                </a:solidFill>
+                <a:latin typeface="Playfair Display" pitchFamily="2" charset="77"/>
+              </a:rPr>
+              <a:t>Code Cleaning</a:t>
+            </a:r>
+            <a:br>
+              <a:rPr lang="en-US" dirty="0">
+                <a:solidFill>
+                  <a:schemeClr val="tx1">
+                    <a:lumMod val="50000"/>
+                    <a:lumOff val="50000"/>
+                  </a:schemeClr>
+                </a:solidFill>
+                <a:latin typeface="Playfair Display" pitchFamily="2" charset="77"/>
+              </a:rPr>
+            </a:br>
+            <a:r>
+              <a:rPr lang="en-US" sz="1800" dirty="0">
+                <a:solidFill>
+                  <a:schemeClr val="tx1">
+                    <a:lumMod val="50000"/>
+                    <a:lumOff val="50000"/>
+                  </a:schemeClr>
+                </a:solidFill>
+                <a:latin typeface="Playfair Display" pitchFamily="2" charset="77"/>
+              </a:rPr>
+              <a:t>(for hire)</a:t>
+            </a:r>
+            <a:endParaRPr lang="en-US" dirty="0">
+              <a:solidFill>
+                <a:schemeClr val="tx1">
+                  <a:lumMod val="50000"/>
+                  <a:lumOff val="50000"/>
+                </a:schemeClr>
+              </a:solidFill>
+              <a:latin typeface="Playfair Display" pitchFamily="2" charset="77"/>
+            </a:endParaRPr>
+          </a:p>
+        </p:txBody>
+      </p:sp>
+      <p:sp>
+        <p:nvSpPr>
+          <p:cNvPr id="15" name="Google Shape;6;p1">
+            <a:extLst>
+              <a:ext uri="{FF2B5EF4-FFF2-40B4-BE49-F238E27FC236}">
+                <a16:creationId xmlns:a16="http://schemas.microsoft.com/office/drawing/2014/main" id="{1A4F9CFF-7194-A640-8CFB-23F1D1FF4766}"/>
+              </a:ext>
+            </a:extLst>
+          </p:cNvPr>
+          <p:cNvSpPr/>
+          <p:nvPr/>
+        </p:nvSpPr>
+        <p:spPr>
+          <a:xfrm>
+            <a:off x="189231" y="443081"/>
+            <a:ext cx="7393980" cy="1802820"/>
+          </a:xfrm>
+          <a:prstGeom prst="rect">
+            <a:avLst/>
+          </a:prstGeom>
+          <a:noFill/>
+          <a:ln w="28575" cap="flat" cmpd="sng">
+            <a:solidFill>
+              <a:srgbClr val="D9D9D9"/>
+            </a:solidFill>
+            <a:prstDash val="solid"/>
+            <a:miter lim="8000"/>
+            <a:headEnd type="none" w="sm" len="sm"/>
+            <a:tailEnd type="none" w="sm" len="sm"/>
+          </a:ln>
+        </p:spPr>
+        <p:txBody>
+          <a:bodyPr spcFirstLastPara="1" wrap="square" lIns="178787" tIns="178787" rIns="178787" bIns="178787" anchor="ctr" anchorCtr="0">
+            <a:noAutofit/>
+          </a:bodyPr>
+          <a:lstStyle/>
+          <a:p>
+            <a:pPr marL="0" lvl="0" indent="0" algn="l" rtl="0">
+              <a:spcBef>
+                <a:spcPts val="0"/>
+              </a:spcBef>
+              <a:spcAft>
+                <a:spcPts val="0"/>
+              </a:spcAft>
+              <a:buNone/>
+            </a:pPr>
+            <a:endParaRPr sz="2738"/>
+          </a:p>
+        </p:txBody>
+      </p:sp>
+      <p:sp>
+        <p:nvSpPr>
+          <p:cNvPr id="17" name="Google Shape;7;p1">
+            <a:extLst>
+              <a:ext uri="{FF2B5EF4-FFF2-40B4-BE49-F238E27FC236}">
+                <a16:creationId xmlns:a16="http://schemas.microsoft.com/office/drawing/2014/main" id="{A076D8CE-52F2-2047-8A68-FED43B0945DA}"/>
+              </a:ext>
+            </a:extLst>
+          </p:cNvPr>
+          <p:cNvSpPr/>
+          <p:nvPr/>
+        </p:nvSpPr>
+        <p:spPr>
+          <a:xfrm>
+            <a:off x="244800" y="503833"/>
+            <a:ext cx="7282545" cy="1677072"/>
+          </a:xfrm>
+          <a:prstGeom prst="rect">
+            <a:avLst/>
+          </a:prstGeom>
+          <a:noFill/>
+          <a:ln w="9525" cap="flat" cmpd="sng">
+            <a:solidFill>
+              <a:srgbClr val="D9D9D9"/>
+            </a:solidFill>
+            <a:prstDash val="solid"/>
+            <a:miter lim="8000"/>
+            <a:headEnd type="none" w="sm" len="sm"/>
+            <a:tailEnd type="none" w="sm" len="sm"/>
+          </a:ln>
+        </p:spPr>
+        <p:txBody>
+          <a:bodyPr spcFirstLastPara="1" wrap="square" lIns="178787" tIns="178787" rIns="178787" bIns="178787" anchor="ctr" anchorCtr="0">
+            <a:noAutofit/>
+          </a:bodyPr>
+          <a:lstStyle/>
+          <a:p>
+            <a:pPr marL="0" lvl="0" indent="0" algn="l" rtl="0">
+              <a:spcBef>
+                <a:spcPts val="0"/>
+              </a:spcBef>
+              <a:spcAft>
+                <a:spcPts val="0"/>
+              </a:spcAft>
+              <a:buNone/>
+            </a:pPr>
+            <a:endParaRPr sz="2738"/>
+          </a:p>
+        </p:txBody>
+      </p:sp>
+      <p:sp>
+        <p:nvSpPr>
+          <p:cNvPr id="6" name="TextBox 5">
+            <a:extLst>
+              <a:ext uri="{FF2B5EF4-FFF2-40B4-BE49-F238E27FC236}">
+                <a16:creationId xmlns:a16="http://schemas.microsoft.com/office/drawing/2014/main" id="{7B2FE62B-CDAE-E946-8404-800BA2F3CC78}"/>
+              </a:ext>
+            </a:extLst>
+          </p:cNvPr>
+          <p:cNvSpPr txBox="1"/>
+          <p:nvPr/>
+        </p:nvSpPr>
+        <p:spPr>
+          <a:xfrm>
+            <a:off x="280631" y="3998427"/>
+            <a:ext cx="2080604" cy="2416046"/>
+          </a:xfrm>
+          <a:prstGeom prst="rect">
+            <a:avLst/>
+          </a:prstGeom>
+          <a:noFill/>
+        </p:spPr>
+        <p:txBody>
+          <a:bodyPr wrap="square" rtlCol="0">
+            <a:spAutoFit/>
+          </a:bodyPr>
+          <a:lstStyle/>
+          <a:p>
+            <a:endParaRPr lang="en-US" b="1" dirty="0">
+              <a:solidFill>
+                <a:schemeClr val="tx1">
+                  <a:lumMod val="65000"/>
+                  <a:lumOff val="35000"/>
+                </a:schemeClr>
+              </a:solidFill>
+              <a:latin typeface="Playfair Display" pitchFamily="2" charset="77"/>
+            </a:endParaRPr>
+          </a:p>
+          <a:p>
+            <a:pPr algn="ctr"/>
+            <a:r>
+              <a:rPr lang="en-US" sz="1600" b="1" dirty="0">
+                <a:solidFill>
+                  <a:schemeClr val="tx1">
+                    <a:lumMod val="65000"/>
+                    <a:lumOff val="35000"/>
+                  </a:schemeClr>
+                </a:solidFill>
+                <a:latin typeface="Playfair Display" pitchFamily="2" charset="77"/>
+              </a:rPr>
+              <a:t>How it works:</a:t>
+            </a:r>
+          </a:p>
+          <a:p>
+            <a:pPr>
+              <a:lnSpc>
+                <a:spcPct val="150000"/>
+              </a:lnSpc>
+            </a:pPr>
+            <a:endParaRPr lang="en-US" dirty="0">
+              <a:solidFill>
+                <a:schemeClr val="tx1">
+                  <a:lumMod val="65000"/>
+                  <a:lumOff val="35000"/>
+                </a:schemeClr>
+              </a:solidFill>
+              <a:latin typeface="Playfair Display" pitchFamily="2" charset="77"/>
+            </a:endParaRPr>
+          </a:p>
+          <a:p>
+            <a:pPr algn="just"/>
+            <a:r>
+              <a:rPr lang="en-US" dirty="0">
+                <a:solidFill>
+                  <a:schemeClr val="tx1">
+                    <a:lumMod val="65000"/>
+                    <a:lumOff val="35000"/>
+                  </a:schemeClr>
+                </a:solidFill>
+                <a:latin typeface="Playfair Display" pitchFamily="2" charset="77"/>
+              </a:rPr>
+              <a:t>We work </a:t>
+            </a:r>
+            <a:r>
+              <a:rPr lang="en-US" dirty="0">
+                <a:solidFill>
+                  <a:schemeClr val="tx1">
+                    <a:lumMod val="85000"/>
+                    <a:lumOff val="15000"/>
+                  </a:schemeClr>
+                </a:solidFill>
+                <a:latin typeface="Playfair Display" pitchFamily="2" charset="77"/>
+              </a:rPr>
+              <a:t>hand-in-hand</a:t>
+            </a:r>
+            <a:r>
+              <a:rPr lang="en-US" dirty="0">
+                <a:solidFill>
+                  <a:schemeClr val="tx1">
+                    <a:lumMod val="65000"/>
+                    <a:lumOff val="35000"/>
+                  </a:schemeClr>
+                </a:solidFill>
+                <a:latin typeface="Playfair Display" pitchFamily="2" charset="77"/>
+              </a:rPr>
+              <a:t> with a single employee for a full day making hundreds of </a:t>
+            </a:r>
+            <a:r>
+              <a:rPr lang="en-US" dirty="0">
+                <a:solidFill>
+                  <a:schemeClr val="tx1">
+                    <a:lumMod val="85000"/>
+                    <a:lumOff val="15000"/>
+                  </a:schemeClr>
+                </a:solidFill>
+                <a:latin typeface="Playfair Display" pitchFamily="2" charset="77"/>
+              </a:rPr>
+              <a:t>safe</a:t>
+            </a:r>
+            <a:r>
+              <a:rPr lang="en-US" dirty="0">
+                <a:solidFill>
+                  <a:schemeClr val="tx1">
+                    <a:lumMod val="65000"/>
+                    <a:lumOff val="35000"/>
+                  </a:schemeClr>
+                </a:solidFill>
+                <a:latin typeface="Playfair Display" pitchFamily="2" charset="77"/>
+              </a:rPr>
+              <a:t> and tiny refactorings. </a:t>
+            </a:r>
+          </a:p>
+          <a:p>
+            <a:endParaRPr lang="en-US" dirty="0">
+              <a:solidFill>
+                <a:schemeClr val="tx1">
+                  <a:lumMod val="65000"/>
+                  <a:lumOff val="35000"/>
+                </a:schemeClr>
+              </a:solidFill>
+              <a:latin typeface="Playfair Display" pitchFamily="2" charset="77"/>
+            </a:endParaRPr>
+          </a:p>
+          <a:p>
+            <a:endParaRPr lang="en-US" dirty="0">
+              <a:solidFill>
+                <a:schemeClr val="bg1"/>
+              </a:solidFill>
+              <a:latin typeface="Playfair Display" pitchFamily="2" charset="77"/>
+            </a:endParaRPr>
+          </a:p>
+        </p:txBody>
+      </p:sp>
+      <p:sp>
+        <p:nvSpPr>
+          <p:cNvPr id="8" name="TextBox 7">
+            <a:extLst>
+              <a:ext uri="{FF2B5EF4-FFF2-40B4-BE49-F238E27FC236}">
+                <a16:creationId xmlns:a16="http://schemas.microsoft.com/office/drawing/2014/main" id="{6773BEA4-0C67-6146-9BEB-9FCBDA04D0B2}"/>
+              </a:ext>
+            </a:extLst>
+          </p:cNvPr>
+          <p:cNvSpPr txBox="1"/>
+          <p:nvPr/>
+        </p:nvSpPr>
+        <p:spPr>
+          <a:xfrm>
+            <a:off x="2697480" y="3998427"/>
+            <a:ext cx="2246044" cy="553998"/>
+          </a:xfrm>
+          <a:prstGeom prst="rect">
+            <a:avLst/>
+          </a:prstGeom>
+          <a:noFill/>
+        </p:spPr>
+        <p:txBody>
+          <a:bodyPr wrap="square" rtlCol="0">
+            <a:spAutoFit/>
+          </a:bodyPr>
+          <a:lstStyle/>
+          <a:p>
+            <a:pPr lvl="1" algn="ctr"/>
+            <a:r>
+              <a:rPr lang="en-US" dirty="0">
+                <a:solidFill>
+                  <a:schemeClr val="tx1">
+                    <a:lumMod val="65000"/>
+                    <a:lumOff val="35000"/>
+                  </a:schemeClr>
+                </a:solidFill>
+                <a:latin typeface="Playfair Display" pitchFamily="2" charset="77"/>
+              </a:rPr>
+              <a:t>The refactored code</a:t>
+            </a:r>
+          </a:p>
+          <a:p>
+            <a:pPr lvl="1" algn="ctr"/>
+            <a:r>
+              <a:rPr lang="en-US" dirty="0">
+                <a:solidFill>
+                  <a:schemeClr val="tx1">
+                    <a:lumMod val="65000"/>
+                    <a:lumOff val="35000"/>
+                  </a:schemeClr>
+                </a:solidFill>
+                <a:latin typeface="Playfair Display" pitchFamily="2" charset="77"/>
+              </a:rPr>
+              <a:t> </a:t>
+            </a:r>
+            <a:r>
+              <a:rPr lang="en-US" sz="1600" b="1" dirty="0">
+                <a:solidFill>
+                  <a:schemeClr val="tx1">
+                    <a:lumMod val="65000"/>
+                    <a:lumOff val="35000"/>
+                  </a:schemeClr>
+                </a:solidFill>
+                <a:latin typeface="Playfair Display" pitchFamily="2" charset="77"/>
+              </a:rPr>
+              <a:t>will be:</a:t>
+            </a:r>
+          </a:p>
+        </p:txBody>
+      </p:sp>
+      <p:sp>
+        <p:nvSpPr>
+          <p:cNvPr id="21" name="TextBox 20">
+            <a:extLst>
+              <a:ext uri="{FF2B5EF4-FFF2-40B4-BE49-F238E27FC236}">
+                <a16:creationId xmlns:a16="http://schemas.microsoft.com/office/drawing/2014/main" id="{18656751-87E2-5947-B62B-3530B5AFBA8F}"/>
+              </a:ext>
+            </a:extLst>
+          </p:cNvPr>
+          <p:cNvSpPr txBox="1"/>
+          <p:nvPr/>
+        </p:nvSpPr>
+        <p:spPr>
+          <a:xfrm>
+            <a:off x="5150032" y="3998427"/>
+            <a:ext cx="2341993" cy="553998"/>
+          </a:xfrm>
+          <a:prstGeom prst="rect">
+            <a:avLst/>
+          </a:prstGeom>
+          <a:noFill/>
+        </p:spPr>
+        <p:txBody>
+          <a:bodyPr wrap="square" rtlCol="0">
+            <a:spAutoFit/>
+          </a:bodyPr>
+          <a:lstStyle/>
+          <a:p>
+            <a:pPr lvl="1" algn="ctr"/>
+            <a:r>
+              <a:rPr lang="en-US" dirty="0">
+                <a:solidFill>
+                  <a:schemeClr val="tx1">
+                    <a:lumMod val="65000"/>
+                    <a:lumOff val="35000"/>
+                  </a:schemeClr>
+                </a:solidFill>
+                <a:latin typeface="Playfair Display" pitchFamily="2" charset="77"/>
+              </a:rPr>
+              <a:t>Reduced code complexity</a:t>
+            </a:r>
+          </a:p>
+          <a:p>
+            <a:pPr lvl="1" algn="ctr"/>
+            <a:r>
+              <a:rPr lang="en-US" sz="1600" b="1" dirty="0">
+                <a:solidFill>
+                  <a:schemeClr val="tx1">
+                    <a:lumMod val="65000"/>
+                    <a:lumOff val="35000"/>
+                  </a:schemeClr>
+                </a:solidFill>
+                <a:latin typeface="Playfair Display" pitchFamily="2" charset="77"/>
+              </a:rPr>
+              <a:t>leads to </a:t>
+            </a:r>
+            <a:r>
+              <a:rPr lang="en-US" sz="1600" dirty="0">
+                <a:solidFill>
+                  <a:schemeClr val="tx1">
+                    <a:lumMod val="65000"/>
+                    <a:lumOff val="35000"/>
+                  </a:schemeClr>
+                </a:solidFill>
+                <a:latin typeface="Playfair Display" pitchFamily="2" charset="77"/>
+              </a:rPr>
+              <a:t>:</a:t>
+            </a:r>
+          </a:p>
+        </p:txBody>
+      </p:sp>
+      <p:sp>
+        <p:nvSpPr>
+          <p:cNvPr id="22" name="TextBox 21">
+            <a:extLst>
+              <a:ext uri="{FF2B5EF4-FFF2-40B4-BE49-F238E27FC236}">
+                <a16:creationId xmlns:a16="http://schemas.microsoft.com/office/drawing/2014/main" id="{F2DD7743-BE51-4C4D-8AC9-0CE1D2AF62FA}"/>
+              </a:ext>
+            </a:extLst>
+          </p:cNvPr>
+          <p:cNvSpPr txBox="1"/>
+          <p:nvPr/>
+        </p:nvSpPr>
+        <p:spPr>
+          <a:xfrm>
+            <a:off x="219090" y="2890146"/>
+            <a:ext cx="7246841" cy="369332"/>
+          </a:xfrm>
+          <a:prstGeom prst="rect">
+            <a:avLst/>
+          </a:prstGeom>
+          <a:noFill/>
+        </p:spPr>
+        <p:txBody>
+          <a:bodyPr wrap="square" rtlCol="0">
+            <a:spAutoFit/>
+          </a:bodyPr>
+          <a:lstStyle/>
+          <a:p>
+            <a:pPr algn="ctr"/>
+            <a:r>
+              <a:rPr lang="en-US" sz="1800" b="1" dirty="0">
+                <a:solidFill>
+                  <a:schemeClr val="tx1">
+                    <a:lumMod val="50000"/>
+                    <a:lumOff val="50000"/>
+                  </a:schemeClr>
+                </a:solidFill>
+                <a:latin typeface="Playfair Display" pitchFamily="2" charset="77"/>
+              </a:rPr>
+              <a:t>We rapidly clean the code that is </a:t>
+            </a:r>
+            <a:r>
+              <a:rPr lang="en-US" sz="1800" b="1" dirty="0">
+                <a:solidFill>
+                  <a:schemeClr val="tx1">
+                    <a:lumMod val="85000"/>
+                    <a:lumOff val="15000"/>
+                  </a:schemeClr>
+                </a:solidFill>
+                <a:latin typeface="Playfair Display" pitchFamily="2" charset="77"/>
+              </a:rPr>
+              <a:t>hindering your team </a:t>
+            </a:r>
+            <a:r>
+              <a:rPr lang="en-US" sz="1800" b="1" dirty="0">
+                <a:solidFill>
+                  <a:schemeClr val="tx1">
+                    <a:lumMod val="50000"/>
+                    <a:lumOff val="50000"/>
+                  </a:schemeClr>
+                </a:solidFill>
+                <a:latin typeface="Playfair Display" pitchFamily="2" charset="77"/>
+              </a:rPr>
+              <a:t>the most!</a:t>
+            </a:r>
+          </a:p>
+        </p:txBody>
+      </p:sp>
+      <p:sp>
+        <p:nvSpPr>
+          <p:cNvPr id="24" name="TextBox 23">
+            <a:extLst>
+              <a:ext uri="{FF2B5EF4-FFF2-40B4-BE49-F238E27FC236}">
+                <a16:creationId xmlns:a16="http://schemas.microsoft.com/office/drawing/2014/main" id="{6C6ACF05-560B-EB4F-8333-BC72D588D8ED}"/>
+              </a:ext>
+            </a:extLst>
+          </p:cNvPr>
+          <p:cNvSpPr txBox="1"/>
+          <p:nvPr/>
+        </p:nvSpPr>
+        <p:spPr>
+          <a:xfrm>
+            <a:off x="232534" y="7988695"/>
+            <a:ext cx="7246841" cy="523220"/>
+          </a:xfrm>
+          <a:prstGeom prst="rect">
+            <a:avLst/>
+          </a:prstGeom>
+          <a:noFill/>
+        </p:spPr>
+        <p:txBody>
+          <a:bodyPr wrap="square" rtlCol="0">
+            <a:spAutoFit/>
+          </a:bodyPr>
+          <a:lstStyle/>
+          <a:p>
+            <a:pPr algn="ctr"/>
+            <a:r>
+              <a:rPr lang="en-US" b="1" dirty="0">
+                <a:solidFill>
+                  <a:schemeClr val="tx1">
+                    <a:lumMod val="65000"/>
+                    <a:lumOff val="35000"/>
+                  </a:schemeClr>
+                </a:solidFill>
+                <a:latin typeface="Playfair Display" pitchFamily="2" charset="77"/>
+              </a:rPr>
+              <a:t>Legacy code specialists</a:t>
+            </a:r>
+            <a:r>
+              <a:rPr lang="en-US" b="1" dirty="0">
+                <a:solidFill>
+                  <a:schemeClr val="tx1">
+                    <a:lumMod val="75000"/>
+                    <a:lumOff val="25000"/>
+                  </a:schemeClr>
+                </a:solidFill>
+                <a:latin typeface="Playfair Display" pitchFamily="2" charset="77"/>
+              </a:rPr>
+              <a:t> </a:t>
+            </a:r>
+            <a:r>
+              <a:rPr lang="en-US" b="1" dirty="0">
+                <a:solidFill>
+                  <a:schemeClr val="tx1">
+                    <a:lumMod val="85000"/>
+                    <a:lumOff val="15000"/>
+                  </a:schemeClr>
+                </a:solidFill>
+                <a:latin typeface="Playfair Display" pitchFamily="2" charset="77"/>
+              </a:rPr>
+              <a:t>Llewellyn Falco </a:t>
+            </a:r>
+            <a:r>
+              <a:rPr lang="en-US" b="1">
+                <a:solidFill>
+                  <a:schemeClr val="tx1">
+                    <a:lumMod val="85000"/>
+                    <a:lumOff val="15000"/>
+                  </a:schemeClr>
+                </a:solidFill>
+                <a:latin typeface="Playfair Display" pitchFamily="2" charset="77"/>
+              </a:rPr>
+              <a:t>&amp; team</a:t>
+            </a:r>
+            <a:endParaRPr lang="en-US" b="1" dirty="0">
+              <a:solidFill>
+                <a:schemeClr val="tx1">
+                  <a:lumMod val="85000"/>
+                  <a:lumOff val="15000"/>
+                </a:schemeClr>
+              </a:solidFill>
+              <a:latin typeface="Playfair Display" pitchFamily="2" charset="77"/>
+            </a:endParaRPr>
+          </a:p>
+          <a:p>
+            <a:pPr algn="ctr"/>
+            <a:r>
+              <a:rPr lang="en-US" b="1" dirty="0">
+                <a:solidFill>
+                  <a:schemeClr val="tx1">
+                    <a:lumMod val="85000"/>
+                    <a:lumOff val="15000"/>
+                  </a:schemeClr>
+                </a:solidFill>
+                <a:latin typeface="Playfair Display" pitchFamily="2" charset="77"/>
+              </a:rPr>
+              <a:t> </a:t>
+            </a:r>
+            <a:r>
+              <a:rPr lang="en-US" b="1" dirty="0">
+                <a:solidFill>
+                  <a:schemeClr val="tx1">
+                    <a:lumMod val="65000"/>
+                    <a:lumOff val="35000"/>
+                  </a:schemeClr>
+                </a:solidFill>
+                <a:latin typeface="Playfair Display" pitchFamily="2" charset="77"/>
+              </a:rPr>
+              <a:t>will refactor your most complex and difficult code.</a:t>
+            </a:r>
+          </a:p>
+        </p:txBody>
+      </p:sp>
+      <p:sp>
+        <p:nvSpPr>
+          <p:cNvPr id="25" name="TextBox 24">
+            <a:extLst>
+              <a:ext uri="{FF2B5EF4-FFF2-40B4-BE49-F238E27FC236}">
+                <a16:creationId xmlns:a16="http://schemas.microsoft.com/office/drawing/2014/main" id="{8460CFFC-C9C7-8B4C-B3BE-E1DB58A654C5}"/>
+              </a:ext>
+            </a:extLst>
+          </p:cNvPr>
+          <p:cNvSpPr txBox="1"/>
+          <p:nvPr/>
+        </p:nvSpPr>
+        <p:spPr>
+          <a:xfrm>
+            <a:off x="3654797" y="9064666"/>
+            <a:ext cx="1947955" cy="307777"/>
+          </a:xfrm>
+          <a:prstGeom prst="rect">
+            <a:avLst/>
+          </a:prstGeom>
+          <a:noFill/>
+        </p:spPr>
+        <p:txBody>
+          <a:bodyPr wrap="square" rtlCol="0">
+            <a:spAutoFit/>
+          </a:bodyPr>
+          <a:lstStyle/>
+          <a:p>
+            <a:r>
+              <a:rPr lang="en-US" b="1" dirty="0">
+                <a:solidFill>
+                  <a:schemeClr val="tx1">
+                    <a:lumMod val="50000"/>
+                    <a:lumOff val="50000"/>
+                  </a:schemeClr>
+                </a:solidFill>
+                <a:latin typeface="Playfair Display" pitchFamily="2" charset="77"/>
+              </a:rPr>
+              <a:t>$5k per day</a:t>
+            </a:r>
+          </a:p>
+        </p:txBody>
+      </p:sp>
+      <p:sp>
+        <p:nvSpPr>
+          <p:cNvPr id="26" name="TextBox 25">
+            <a:extLst>
+              <a:ext uri="{FF2B5EF4-FFF2-40B4-BE49-F238E27FC236}">
+                <a16:creationId xmlns:a16="http://schemas.microsoft.com/office/drawing/2014/main" id="{FE71C4F3-C2C4-804C-9F9E-3C92829277F4}"/>
+              </a:ext>
+            </a:extLst>
+          </p:cNvPr>
+          <p:cNvSpPr txBox="1"/>
+          <p:nvPr/>
+        </p:nvSpPr>
+        <p:spPr>
+          <a:xfrm>
+            <a:off x="1745383" y="9064666"/>
+            <a:ext cx="1947955" cy="307777"/>
+          </a:xfrm>
+          <a:prstGeom prst="rect">
+            <a:avLst/>
+          </a:prstGeom>
+          <a:noFill/>
+        </p:spPr>
+        <p:txBody>
+          <a:bodyPr wrap="square" rtlCol="0">
+            <a:spAutoFit/>
+          </a:bodyPr>
+          <a:lstStyle/>
+          <a:p>
+            <a:pPr algn="r"/>
+            <a:r>
+              <a:rPr lang="en-US" b="1" dirty="0">
+                <a:solidFill>
+                  <a:schemeClr val="tx1">
+                    <a:lumMod val="50000"/>
+                    <a:lumOff val="50000"/>
+                  </a:schemeClr>
+                </a:solidFill>
+                <a:latin typeface="Playfair Display" pitchFamily="2" charset="77"/>
+              </a:rPr>
+              <a:t>info@spunlabs.com</a:t>
+            </a:r>
+          </a:p>
+        </p:txBody>
+      </p:sp>
+      <p:cxnSp>
+        <p:nvCxnSpPr>
+          <p:cNvPr id="27" name="Straight Connector 26">
+            <a:extLst>
+              <a:ext uri="{FF2B5EF4-FFF2-40B4-BE49-F238E27FC236}">
+                <a16:creationId xmlns:a16="http://schemas.microsoft.com/office/drawing/2014/main" id="{5373C34C-C3DA-9F4E-A507-FE53C9CED991}"/>
+              </a:ext>
+            </a:extLst>
+          </p:cNvPr>
+          <p:cNvCxnSpPr>
+            <a:cxnSpLocks/>
+          </p:cNvCxnSpPr>
+          <p:nvPr/>
+        </p:nvCxnSpPr>
+        <p:spPr>
+          <a:xfrm>
+            <a:off x="3665892" y="8910088"/>
+            <a:ext cx="0" cy="616932"/>
+          </a:xfrm>
+          <a:prstGeom prst="line">
+            <a:avLst/>
+          </a:prstGeom>
+          <a:ln w="28575">
+            <a:solidFill>
+              <a:schemeClr val="tx1">
+                <a:lumMod val="50000"/>
+                <a:lumOff val="50000"/>
+              </a:schemeClr>
+            </a:solidFill>
+          </a:ln>
+        </p:spPr>
+        <p:style>
+          <a:lnRef idx="1">
+            <a:schemeClr val="accent1"/>
+          </a:lnRef>
+          <a:fillRef idx="0">
+            <a:schemeClr val="accent1"/>
+          </a:fillRef>
+          <a:effectRef idx="0">
+            <a:schemeClr val="accent1"/>
+          </a:effectRef>
+          <a:fontRef idx="minor">
+            <a:schemeClr val="tx1"/>
+          </a:fontRef>
+        </p:style>
+      </p:cxnSp>
+      <p:sp>
+        <p:nvSpPr>
+          <p:cNvPr id="34" name="TextBox 33">
+            <a:extLst>
+              <a:ext uri="{FF2B5EF4-FFF2-40B4-BE49-F238E27FC236}">
+                <a16:creationId xmlns:a16="http://schemas.microsoft.com/office/drawing/2014/main" id="{78739FC6-2AEE-9C46-ADCD-47B0FB67F188}"/>
+              </a:ext>
+            </a:extLst>
+          </p:cNvPr>
+          <p:cNvSpPr txBox="1"/>
+          <p:nvPr/>
+        </p:nvSpPr>
+        <p:spPr>
+          <a:xfrm>
+            <a:off x="2954651" y="4786360"/>
+            <a:ext cx="1850575" cy="1554272"/>
+          </a:xfrm>
+          <a:prstGeom prst="rect">
+            <a:avLst/>
+          </a:prstGeom>
+          <a:noFill/>
+        </p:spPr>
+        <p:txBody>
+          <a:bodyPr wrap="square" rtlCol="0">
+            <a:spAutoFit/>
+          </a:bodyPr>
+          <a:lstStyle/>
+          <a:p>
+            <a:pPr marL="285750" lvl="1" indent="-285750">
+              <a:buFont typeface="Arial" panose="020B0604020202020204" pitchFamily="34" charset="0"/>
+              <a:buChar char="•"/>
+            </a:pPr>
+            <a:r>
+              <a:rPr lang="en-US" dirty="0">
+                <a:solidFill>
+                  <a:schemeClr val="tx1">
+                    <a:lumMod val="65000"/>
+                    <a:lumOff val="35000"/>
+                  </a:schemeClr>
+                </a:solidFill>
+                <a:latin typeface="Playfair Display" pitchFamily="2" charset="77"/>
+              </a:rPr>
+              <a:t>Testable</a:t>
+            </a:r>
+          </a:p>
+          <a:p>
+            <a:pPr marL="285750" lvl="1" indent="-285750">
+              <a:buFont typeface="Arial" panose="020B0604020202020204" pitchFamily="34" charset="0"/>
+              <a:buChar char="•"/>
+            </a:pPr>
+            <a:r>
+              <a:rPr lang="en-US" dirty="0">
+                <a:solidFill>
+                  <a:schemeClr val="tx1">
+                    <a:lumMod val="65000"/>
+                    <a:lumOff val="35000"/>
+                  </a:schemeClr>
+                </a:solidFill>
+                <a:latin typeface="Playfair Display" pitchFamily="2" charset="77"/>
+              </a:rPr>
+              <a:t>Modular</a:t>
+            </a:r>
+          </a:p>
+          <a:p>
+            <a:pPr marL="285750" lvl="1" indent="-285750">
+              <a:buFont typeface="Arial" panose="020B0604020202020204" pitchFamily="34" charset="0"/>
+              <a:buChar char="•"/>
+            </a:pPr>
+            <a:r>
+              <a:rPr lang="en-US" dirty="0">
+                <a:solidFill>
+                  <a:schemeClr val="tx1">
+                    <a:lumMod val="65000"/>
+                    <a:lumOff val="35000"/>
+                  </a:schemeClr>
+                </a:solidFill>
+                <a:latin typeface="Playfair Display" pitchFamily="2" charset="77"/>
+              </a:rPr>
+              <a:t>Readable</a:t>
+            </a:r>
+          </a:p>
+          <a:p>
+            <a:pPr marL="285750" lvl="1" indent="-285750">
+              <a:buFont typeface="Arial" panose="020B0604020202020204" pitchFamily="34" charset="0"/>
+              <a:buChar char="•"/>
+            </a:pPr>
+            <a:r>
+              <a:rPr lang="en-US" dirty="0">
+                <a:solidFill>
+                  <a:schemeClr val="tx1">
+                    <a:lumMod val="65000"/>
+                    <a:lumOff val="35000"/>
+                  </a:schemeClr>
+                </a:solidFill>
+                <a:latin typeface="Playfair Display" pitchFamily="2" charset="77"/>
+              </a:rPr>
+              <a:t>Less Complex</a:t>
+            </a:r>
+          </a:p>
+          <a:p>
+            <a:pPr marL="285750" lvl="1" indent="-285750">
+              <a:buFont typeface="Arial" panose="020B0604020202020204" pitchFamily="34" charset="0"/>
+              <a:buChar char="•"/>
+            </a:pPr>
+            <a:r>
+              <a:rPr lang="en-US" dirty="0">
+                <a:solidFill>
+                  <a:schemeClr val="tx1">
+                    <a:lumMod val="65000"/>
+                    <a:lumOff val="35000"/>
+                  </a:schemeClr>
+                </a:solidFill>
+                <a:latin typeface="Playfair Display" pitchFamily="2" charset="77"/>
+              </a:rPr>
+              <a:t>Functionally equivalent </a:t>
+            </a:r>
+          </a:p>
+          <a:p>
+            <a:pPr lvl="1"/>
+            <a:r>
+              <a:rPr lang="en-US" sz="1100" dirty="0">
+                <a:solidFill>
+                  <a:schemeClr val="tx1">
+                    <a:lumMod val="65000"/>
+                    <a:lumOff val="35000"/>
+                  </a:schemeClr>
+                </a:solidFill>
+                <a:latin typeface="Playfair Display" pitchFamily="2" charset="77"/>
+              </a:rPr>
+              <a:t>(no new bugs or features</a:t>
+            </a:r>
+            <a:r>
+              <a:rPr lang="en-US" sz="1100" dirty="0">
+                <a:solidFill>
+                  <a:schemeClr val="tx1">
+                    <a:lumMod val="65000"/>
+                    <a:lumOff val="35000"/>
+                  </a:schemeClr>
+                </a:solidFill>
+              </a:rPr>
+              <a:t>)</a:t>
+            </a:r>
+          </a:p>
+        </p:txBody>
+      </p:sp>
+      <p:sp>
+        <p:nvSpPr>
+          <p:cNvPr id="35" name="TextBox 34">
+            <a:extLst>
+              <a:ext uri="{FF2B5EF4-FFF2-40B4-BE49-F238E27FC236}">
+                <a16:creationId xmlns:a16="http://schemas.microsoft.com/office/drawing/2014/main" id="{DE5C64CB-8BC6-7842-A346-8147EC508CFC}"/>
+              </a:ext>
+            </a:extLst>
+          </p:cNvPr>
+          <p:cNvSpPr txBox="1"/>
+          <p:nvPr/>
+        </p:nvSpPr>
+        <p:spPr>
+          <a:xfrm>
+            <a:off x="5430408" y="4786360"/>
+            <a:ext cx="2048968" cy="954107"/>
+          </a:xfrm>
+          <a:prstGeom prst="rect">
+            <a:avLst/>
+          </a:prstGeom>
+          <a:noFill/>
+        </p:spPr>
+        <p:txBody>
+          <a:bodyPr wrap="square" rtlCol="0">
+            <a:spAutoFit/>
+          </a:bodyPr>
+          <a:lstStyle/>
+          <a:p>
+            <a:pPr marL="285750" lvl="1" indent="-285750">
+              <a:buFont typeface="Arial" panose="020B0604020202020204" pitchFamily="34" charset="0"/>
+              <a:buChar char="•"/>
+            </a:pPr>
+            <a:r>
+              <a:rPr lang="en-US" dirty="0">
+                <a:solidFill>
+                  <a:schemeClr val="tx1">
+                    <a:lumMod val="65000"/>
+                    <a:lumOff val="35000"/>
+                  </a:schemeClr>
+                </a:solidFill>
+                <a:latin typeface="Playfair Display" pitchFamily="2" charset="77"/>
+              </a:rPr>
+              <a:t>Fewer bugs </a:t>
+            </a:r>
+          </a:p>
+          <a:p>
+            <a:pPr marL="285750" lvl="1" indent="-285750">
+              <a:buFont typeface="Arial" panose="020B0604020202020204" pitchFamily="34" charset="0"/>
+              <a:buChar char="•"/>
+            </a:pPr>
+            <a:r>
+              <a:rPr lang="en-US" dirty="0">
+                <a:solidFill>
+                  <a:schemeClr val="tx1">
+                    <a:lumMod val="65000"/>
+                    <a:lumOff val="35000"/>
+                  </a:schemeClr>
+                </a:solidFill>
+                <a:latin typeface="Playfair Display" pitchFamily="2" charset="77"/>
+              </a:rPr>
+              <a:t>Increased velocity </a:t>
+            </a:r>
+          </a:p>
+          <a:p>
+            <a:pPr marL="285750" lvl="1" indent="-285750">
+              <a:buFont typeface="Arial" panose="020B0604020202020204" pitchFamily="34" charset="0"/>
+              <a:buChar char="•"/>
+            </a:pPr>
+            <a:r>
+              <a:rPr lang="en-US" dirty="0">
+                <a:solidFill>
+                  <a:schemeClr val="tx1">
+                    <a:lumMod val="65000"/>
+                    <a:lumOff val="35000"/>
+                  </a:schemeClr>
+                </a:solidFill>
+                <a:latin typeface="Playfair Display" pitchFamily="2" charset="77"/>
+              </a:rPr>
+              <a:t>Higher developer satisfaction</a:t>
+            </a:r>
+          </a:p>
+        </p:txBody>
+      </p:sp>
+    </p:spTree>
+    <p:extLst>
+      <p:ext uri="{BB962C8B-B14F-4D97-AF65-F5344CB8AC3E}">
+        <p14:creationId xmlns:p14="http://schemas.microsoft.com/office/powerpoint/2010/main" val="3620789962"/>
       </p:ext>
     </p:extLst>
   </p:cSld>

--- a/marketing/CodeCleanerForHire.pptx
+++ b/marketing/CodeCleanerForHire.pptx
@@ -1936,7 +1936,7 @@
 </file>
 
 <file path=ppt/slides/slide1.xml><?xml version="1.0" encoding="utf-8"?>
-<p:sld xmlns:a="http://schemas.openxmlformats.org/drawingml/2006/main" xmlns:r="http://schemas.openxmlformats.org/officeDocument/2006/relationships" xmlns:p="http://schemas.openxmlformats.org/presentationml/2006/main">
+<p:sld xmlns:a="http://schemas.openxmlformats.org/drawingml/2006/main" xmlns:r="http://schemas.openxmlformats.org/officeDocument/2006/relationships" xmlns:p="http://schemas.openxmlformats.org/presentationml/2006/main" show="0">
   <p:cSld>
     <p:spTree>
       <p:nvGrpSpPr>
@@ -3989,29 +3989,8 @@
                 </a:solidFill>
                 <a:latin typeface="Playfair Display" pitchFamily="2" charset="77"/>
               </a:rPr>
-              <a:t>Llewellyn Falco </a:t>
-            </a:r>
-            <a:r>
-              <a:rPr lang="en-US" b="1">
-                <a:solidFill>
-                  <a:schemeClr val="tx1">
-                    <a:lumMod val="85000"/>
-                    <a:lumOff val="15000"/>
-                  </a:schemeClr>
-                </a:solidFill>
-                <a:latin typeface="Playfair Display" pitchFamily="2" charset="77"/>
-              </a:rPr>
-              <a:t>&amp; team</a:t>
-            </a:r>
-            <a:endParaRPr lang="en-US" b="1" dirty="0">
-              <a:solidFill>
-                <a:schemeClr val="tx1">
-                  <a:lumMod val="85000"/>
-                  <a:lumOff val="15000"/>
-                </a:schemeClr>
-              </a:solidFill>
-              <a:latin typeface="Playfair Display" pitchFamily="2" charset="77"/>
-            </a:endParaRPr>
+              <a:t>Llewellyn Falco &amp; team</a:t>
+            </a:r>
           </a:p>
           <a:p>
             <a:pPr algn="ctr"/>

--- a/marketing/CodeCleanerForHire.pptx
+++ b/marketing/CodeCleanerForHire.pptx
@@ -5,11 +5,10 @@
     <p:sldMasterId id="2147483658" r:id="rId1"/>
   </p:sldMasterIdLst>
   <p:notesMasterIdLst>
-    <p:notesMasterId r:id="rId4"/>
+    <p:notesMasterId r:id="rId3"/>
   </p:notesMasterIdLst>
   <p:sldIdLst>
     <p:sldId id="289" r:id="rId2"/>
-    <p:sldId id="290" r:id="rId3"/>
   </p:sldIdLst>
   <p:sldSz cx="7772400" cy="10058400"/>
   <p:notesSz cx="6858000" cy="9144000"/>
@@ -1936,1236 +1935,6 @@
 </file>
 
 <file path=ppt/slides/slide1.xml><?xml version="1.0" encoding="utf-8"?>
-<p:sld xmlns:a="http://schemas.openxmlformats.org/drawingml/2006/main" xmlns:r="http://schemas.openxmlformats.org/officeDocument/2006/relationships" xmlns:p="http://schemas.openxmlformats.org/presentationml/2006/main" show="0">
-  <p:cSld>
-    <p:spTree>
-      <p:nvGrpSpPr>
-        <p:cNvPr id="1" name=""/>
-        <p:cNvGrpSpPr/>
-        <p:nvPr/>
-      </p:nvGrpSpPr>
-      <p:grpSpPr>
-        <a:xfrm>
-          <a:off x="0" y="0"/>
-          <a:ext cx="0" cy="0"/>
-          <a:chOff x="0" y="0"/>
-          <a:chExt cx="0" cy="0"/>
-        </a:xfrm>
-      </p:grpSpPr>
-      <p:sp>
-        <p:nvSpPr>
-          <p:cNvPr id="33" name="Rectangle 32">
-            <a:extLst>
-              <a:ext uri="{FF2B5EF4-FFF2-40B4-BE49-F238E27FC236}">
-                <a16:creationId xmlns:a16="http://schemas.microsoft.com/office/drawing/2014/main" id="{076DCBDF-3BF7-8144-B7AA-CE8AA9CA71D6}"/>
-              </a:ext>
-            </a:extLst>
-          </p:cNvPr>
-          <p:cNvSpPr/>
-          <p:nvPr/>
-        </p:nvSpPr>
-        <p:spPr>
-          <a:xfrm>
-            <a:off x="245642" y="3910241"/>
-            <a:ext cx="2377440" cy="2922369"/>
-          </a:xfrm>
-          <a:prstGeom prst="rect">
-            <a:avLst/>
-          </a:prstGeom>
-          <a:solidFill>
-            <a:schemeClr val="accent3"/>
-          </a:solidFill>
-          <a:ln>
-            <a:noFill/>
-          </a:ln>
-        </p:spPr>
-        <p:style>
-          <a:lnRef idx="2">
-            <a:schemeClr val="accent1">
-              <a:shade val="50000"/>
-            </a:schemeClr>
-          </a:lnRef>
-          <a:fillRef idx="1">
-            <a:schemeClr val="accent1"/>
-          </a:fillRef>
-          <a:effectRef idx="0">
-            <a:schemeClr val="accent1"/>
-          </a:effectRef>
-          <a:fontRef idx="minor">
-            <a:schemeClr val="lt1"/>
-          </a:fontRef>
-        </p:style>
-        <p:txBody>
-          <a:bodyPr rtlCol="0" anchor="ctr"/>
-          <a:lstStyle/>
-          <a:p>
-            <a:pPr algn="ctr"/>
-            <a:endParaRPr lang="en-US" dirty="0"/>
-          </a:p>
-        </p:txBody>
-      </p:sp>
-      <p:sp>
-        <p:nvSpPr>
-          <p:cNvPr id="29" name="Rectangle 28">
-            <a:extLst>
-              <a:ext uri="{FF2B5EF4-FFF2-40B4-BE49-F238E27FC236}">
-                <a16:creationId xmlns:a16="http://schemas.microsoft.com/office/drawing/2014/main" id="{E09334D4-1A35-2144-A34F-69309B0DD07F}"/>
-              </a:ext>
-            </a:extLst>
-          </p:cNvPr>
-          <p:cNvSpPr/>
-          <p:nvPr/>
-        </p:nvSpPr>
-        <p:spPr>
-          <a:xfrm>
-            <a:off x="232534" y="7749285"/>
-            <a:ext cx="7294810" cy="908330"/>
-          </a:xfrm>
-          <a:prstGeom prst="rect">
-            <a:avLst/>
-          </a:prstGeom>
-          <a:solidFill>
-            <a:schemeClr val="accent3"/>
-          </a:solidFill>
-          <a:ln>
-            <a:noFill/>
-          </a:ln>
-        </p:spPr>
-        <p:style>
-          <a:lnRef idx="2">
-            <a:schemeClr val="accent1">
-              <a:shade val="50000"/>
-            </a:schemeClr>
-          </a:lnRef>
-          <a:fillRef idx="1">
-            <a:schemeClr val="accent1"/>
-          </a:fillRef>
-          <a:effectRef idx="0">
-            <a:schemeClr val="accent1"/>
-          </a:effectRef>
-          <a:fontRef idx="minor">
-            <a:schemeClr val="lt1"/>
-          </a:fontRef>
-        </p:style>
-        <p:txBody>
-          <a:bodyPr rtlCol="0" anchor="ctr"/>
-          <a:lstStyle/>
-          <a:p>
-            <a:pPr algn="ctr"/>
-            <a:endParaRPr lang="en-US" dirty="0"/>
-          </a:p>
-        </p:txBody>
-      </p:sp>
-      <p:sp>
-        <p:nvSpPr>
-          <p:cNvPr id="19" name="Rectangle 18">
-            <a:extLst>
-              <a:ext uri="{FF2B5EF4-FFF2-40B4-BE49-F238E27FC236}">
-                <a16:creationId xmlns:a16="http://schemas.microsoft.com/office/drawing/2014/main" id="{E209619E-8981-D543-B0F4-D34BF31E08E1}"/>
-              </a:ext>
-            </a:extLst>
-          </p:cNvPr>
-          <p:cNvSpPr/>
-          <p:nvPr/>
-        </p:nvSpPr>
-        <p:spPr>
-          <a:xfrm>
-            <a:off x="2697480" y="3910241"/>
-            <a:ext cx="2377440" cy="2922369"/>
-          </a:xfrm>
-          <a:prstGeom prst="rect">
-            <a:avLst/>
-          </a:prstGeom>
-          <a:solidFill>
-            <a:schemeClr val="accent3"/>
-          </a:solidFill>
-          <a:ln>
-            <a:noFill/>
-          </a:ln>
-        </p:spPr>
-        <p:style>
-          <a:lnRef idx="2">
-            <a:schemeClr val="accent1">
-              <a:shade val="50000"/>
-            </a:schemeClr>
-          </a:lnRef>
-          <a:fillRef idx="1">
-            <a:schemeClr val="accent1"/>
-          </a:fillRef>
-          <a:effectRef idx="0">
-            <a:schemeClr val="accent1"/>
-          </a:effectRef>
-          <a:fontRef idx="minor">
-            <a:schemeClr val="lt1"/>
-          </a:fontRef>
-        </p:style>
-        <p:txBody>
-          <a:bodyPr rtlCol="0" anchor="ctr"/>
-          <a:lstStyle/>
-          <a:p>
-            <a:pPr algn="ctr"/>
-            <a:endParaRPr lang="en-US" dirty="0"/>
-          </a:p>
-        </p:txBody>
-      </p:sp>
-      <p:sp>
-        <p:nvSpPr>
-          <p:cNvPr id="20" name="Rectangle 19">
-            <a:extLst>
-              <a:ext uri="{FF2B5EF4-FFF2-40B4-BE49-F238E27FC236}">
-                <a16:creationId xmlns:a16="http://schemas.microsoft.com/office/drawing/2014/main" id="{BC254CF3-E4F8-544B-B317-A0CEEED79E76}"/>
-              </a:ext>
-            </a:extLst>
-          </p:cNvPr>
-          <p:cNvSpPr/>
-          <p:nvPr/>
-        </p:nvSpPr>
-        <p:spPr>
-          <a:xfrm>
-            <a:off x="5150032" y="3910241"/>
-            <a:ext cx="2377440" cy="2922369"/>
-          </a:xfrm>
-          <a:prstGeom prst="rect">
-            <a:avLst/>
-          </a:prstGeom>
-          <a:solidFill>
-            <a:schemeClr val="accent3"/>
-          </a:solidFill>
-          <a:ln>
-            <a:noFill/>
-          </a:ln>
-        </p:spPr>
-        <p:style>
-          <a:lnRef idx="2">
-            <a:schemeClr val="accent1">
-              <a:shade val="50000"/>
-            </a:schemeClr>
-          </a:lnRef>
-          <a:fillRef idx="1">
-            <a:schemeClr val="accent1"/>
-          </a:fillRef>
-          <a:effectRef idx="0">
-            <a:schemeClr val="accent1"/>
-          </a:effectRef>
-          <a:fontRef idx="minor">
-            <a:schemeClr val="lt1"/>
-          </a:fontRef>
-        </p:style>
-        <p:txBody>
-          <a:bodyPr rtlCol="0" anchor="ctr"/>
-          <a:lstStyle/>
-          <a:p>
-            <a:pPr algn="ctr"/>
-            <a:endParaRPr lang="en-US" dirty="0"/>
-          </a:p>
-        </p:txBody>
-      </p:sp>
-      <p:sp>
-        <p:nvSpPr>
-          <p:cNvPr id="2" name="Title 1">
-            <a:extLst>
-              <a:ext uri="{FF2B5EF4-FFF2-40B4-BE49-F238E27FC236}">
-                <a16:creationId xmlns:a16="http://schemas.microsoft.com/office/drawing/2014/main" id="{90B634A8-9F2A-644D-BA1A-47F100949845}"/>
-              </a:ext>
-            </a:extLst>
-          </p:cNvPr>
-          <p:cNvSpPr>
-            <a:spLocks noGrp="1"/>
-          </p:cNvSpPr>
-          <p:nvPr>
-            <p:ph type="ctrTitle"/>
-          </p:nvPr>
-        </p:nvSpPr>
-        <p:spPr>
-          <a:xfrm>
-            <a:off x="605079" y="578236"/>
-            <a:ext cx="6562242" cy="1478626"/>
-          </a:xfrm>
-        </p:spPr>
-        <p:txBody>
-          <a:bodyPr/>
-          <a:lstStyle/>
-          <a:p>
-            <a:r>
-              <a:rPr lang="en-US" b="1" dirty="0">
-                <a:solidFill>
-                  <a:schemeClr val="tx1">
-                    <a:lumMod val="50000"/>
-                    <a:lumOff val="50000"/>
-                  </a:schemeClr>
-                </a:solidFill>
-                <a:latin typeface="Playfair Display" pitchFamily="2" charset="77"/>
-              </a:rPr>
-              <a:t>Code Cleaning</a:t>
-            </a:r>
-            <a:br>
-              <a:rPr lang="en-US" dirty="0">
-                <a:solidFill>
-                  <a:schemeClr val="tx1">
-                    <a:lumMod val="50000"/>
-                    <a:lumOff val="50000"/>
-                  </a:schemeClr>
-                </a:solidFill>
-                <a:latin typeface="Playfair Display" pitchFamily="2" charset="77"/>
-              </a:rPr>
-            </a:br>
-            <a:r>
-              <a:rPr lang="en-US" sz="1800" dirty="0">
-                <a:solidFill>
-                  <a:schemeClr val="tx1">
-                    <a:lumMod val="50000"/>
-                    <a:lumOff val="50000"/>
-                  </a:schemeClr>
-                </a:solidFill>
-                <a:latin typeface="Playfair Display" pitchFamily="2" charset="77"/>
-              </a:rPr>
-              <a:t>(for hire)</a:t>
-            </a:r>
-            <a:endParaRPr lang="en-US" dirty="0">
-              <a:solidFill>
-                <a:schemeClr val="tx1">
-                  <a:lumMod val="50000"/>
-                  <a:lumOff val="50000"/>
-                </a:schemeClr>
-              </a:solidFill>
-              <a:latin typeface="Playfair Display" pitchFamily="2" charset="77"/>
-            </a:endParaRPr>
-          </a:p>
-        </p:txBody>
-      </p:sp>
-      <p:sp>
-        <p:nvSpPr>
-          <p:cNvPr id="15" name="Google Shape;6;p1">
-            <a:extLst>
-              <a:ext uri="{FF2B5EF4-FFF2-40B4-BE49-F238E27FC236}">
-                <a16:creationId xmlns:a16="http://schemas.microsoft.com/office/drawing/2014/main" id="{1A4F9CFF-7194-A640-8CFB-23F1D1FF4766}"/>
-              </a:ext>
-            </a:extLst>
-          </p:cNvPr>
-          <p:cNvSpPr/>
-          <p:nvPr/>
-        </p:nvSpPr>
-        <p:spPr>
-          <a:xfrm>
-            <a:off x="189231" y="443081"/>
-            <a:ext cx="7393980" cy="1802820"/>
-          </a:xfrm>
-          <a:prstGeom prst="rect">
-            <a:avLst/>
-          </a:prstGeom>
-          <a:noFill/>
-          <a:ln w="28575" cap="flat" cmpd="sng">
-            <a:solidFill>
-              <a:srgbClr val="D9D9D9"/>
-            </a:solidFill>
-            <a:prstDash val="solid"/>
-            <a:miter lim="8000"/>
-            <a:headEnd type="none" w="sm" len="sm"/>
-            <a:tailEnd type="none" w="sm" len="sm"/>
-          </a:ln>
-        </p:spPr>
-        <p:txBody>
-          <a:bodyPr spcFirstLastPara="1" wrap="square" lIns="178787" tIns="178787" rIns="178787" bIns="178787" anchor="ctr" anchorCtr="0">
-            <a:noAutofit/>
-          </a:bodyPr>
-          <a:lstStyle/>
-          <a:p>
-            <a:pPr marL="0" lvl="0" indent="0" algn="l" rtl="0">
-              <a:spcBef>
-                <a:spcPts val="0"/>
-              </a:spcBef>
-              <a:spcAft>
-                <a:spcPts val="0"/>
-              </a:spcAft>
-              <a:buNone/>
-            </a:pPr>
-            <a:endParaRPr sz="2738"/>
-          </a:p>
-        </p:txBody>
-      </p:sp>
-      <p:sp>
-        <p:nvSpPr>
-          <p:cNvPr id="17" name="Google Shape;7;p1">
-            <a:extLst>
-              <a:ext uri="{FF2B5EF4-FFF2-40B4-BE49-F238E27FC236}">
-                <a16:creationId xmlns:a16="http://schemas.microsoft.com/office/drawing/2014/main" id="{A076D8CE-52F2-2047-8A68-FED43B0945DA}"/>
-              </a:ext>
-            </a:extLst>
-          </p:cNvPr>
-          <p:cNvSpPr/>
-          <p:nvPr/>
-        </p:nvSpPr>
-        <p:spPr>
-          <a:xfrm>
-            <a:off x="244800" y="503833"/>
-            <a:ext cx="7282545" cy="1677072"/>
-          </a:xfrm>
-          <a:prstGeom prst="rect">
-            <a:avLst/>
-          </a:prstGeom>
-          <a:noFill/>
-          <a:ln w="9525" cap="flat" cmpd="sng">
-            <a:solidFill>
-              <a:srgbClr val="D9D9D9"/>
-            </a:solidFill>
-            <a:prstDash val="solid"/>
-            <a:miter lim="8000"/>
-            <a:headEnd type="none" w="sm" len="sm"/>
-            <a:tailEnd type="none" w="sm" len="sm"/>
-          </a:ln>
-        </p:spPr>
-        <p:txBody>
-          <a:bodyPr spcFirstLastPara="1" wrap="square" lIns="178787" tIns="178787" rIns="178787" bIns="178787" anchor="ctr" anchorCtr="0">
-            <a:noAutofit/>
-          </a:bodyPr>
-          <a:lstStyle/>
-          <a:p>
-            <a:pPr marL="0" lvl="0" indent="0" algn="l" rtl="0">
-              <a:spcBef>
-                <a:spcPts val="0"/>
-              </a:spcBef>
-              <a:spcAft>
-                <a:spcPts val="0"/>
-              </a:spcAft>
-              <a:buNone/>
-            </a:pPr>
-            <a:endParaRPr sz="2738"/>
-          </a:p>
-        </p:txBody>
-      </p:sp>
-      <p:sp>
-        <p:nvSpPr>
-          <p:cNvPr id="6" name="TextBox 5">
-            <a:extLst>
-              <a:ext uri="{FF2B5EF4-FFF2-40B4-BE49-F238E27FC236}">
-                <a16:creationId xmlns:a16="http://schemas.microsoft.com/office/drawing/2014/main" id="{7B2FE62B-CDAE-E946-8404-800BA2F3CC78}"/>
-              </a:ext>
-            </a:extLst>
-          </p:cNvPr>
-          <p:cNvSpPr txBox="1"/>
-          <p:nvPr/>
-        </p:nvSpPr>
-        <p:spPr>
-          <a:xfrm>
-            <a:off x="280631" y="3998427"/>
-            <a:ext cx="2080604" cy="2416046"/>
-          </a:xfrm>
-          <a:prstGeom prst="rect">
-            <a:avLst/>
-          </a:prstGeom>
-          <a:noFill/>
-        </p:spPr>
-        <p:txBody>
-          <a:bodyPr wrap="square" rtlCol="0">
-            <a:spAutoFit/>
-          </a:bodyPr>
-          <a:lstStyle/>
-          <a:p>
-            <a:endParaRPr lang="en-US" b="1" dirty="0">
-              <a:solidFill>
-                <a:schemeClr val="tx1">
-                  <a:lumMod val="65000"/>
-                  <a:lumOff val="35000"/>
-                </a:schemeClr>
-              </a:solidFill>
-              <a:latin typeface="Playfair Display" pitchFamily="2" charset="77"/>
-            </a:endParaRPr>
-          </a:p>
-          <a:p>
-            <a:pPr algn="ctr"/>
-            <a:r>
-              <a:rPr lang="en-US" sz="1600" b="1" dirty="0">
-                <a:solidFill>
-                  <a:schemeClr val="tx1">
-                    <a:lumMod val="65000"/>
-                    <a:lumOff val="35000"/>
-                  </a:schemeClr>
-                </a:solidFill>
-                <a:latin typeface="Playfair Display" pitchFamily="2" charset="77"/>
-              </a:rPr>
-              <a:t>How it works:</a:t>
-            </a:r>
-          </a:p>
-          <a:p>
-            <a:pPr>
-              <a:lnSpc>
-                <a:spcPct val="150000"/>
-              </a:lnSpc>
-            </a:pPr>
-            <a:endParaRPr lang="en-US" dirty="0">
-              <a:solidFill>
-                <a:schemeClr val="tx1">
-                  <a:lumMod val="65000"/>
-                  <a:lumOff val="35000"/>
-                </a:schemeClr>
-              </a:solidFill>
-              <a:latin typeface="Playfair Display" pitchFamily="2" charset="77"/>
-            </a:endParaRPr>
-          </a:p>
-          <a:p>
-            <a:pPr algn="just"/>
-            <a:r>
-              <a:rPr lang="en-US" dirty="0">
-                <a:solidFill>
-                  <a:schemeClr val="tx1">
-                    <a:lumMod val="65000"/>
-                    <a:lumOff val="35000"/>
-                  </a:schemeClr>
-                </a:solidFill>
-                <a:latin typeface="Playfair Display" pitchFamily="2" charset="77"/>
-              </a:rPr>
-              <a:t>We work </a:t>
-            </a:r>
-            <a:r>
-              <a:rPr lang="en-US" dirty="0">
-                <a:solidFill>
-                  <a:schemeClr val="tx1">
-                    <a:lumMod val="85000"/>
-                    <a:lumOff val="15000"/>
-                  </a:schemeClr>
-                </a:solidFill>
-                <a:latin typeface="Playfair Display" pitchFamily="2" charset="77"/>
-              </a:rPr>
-              <a:t>hand-in-hand</a:t>
-            </a:r>
-            <a:r>
-              <a:rPr lang="en-US" dirty="0">
-                <a:solidFill>
-                  <a:schemeClr val="tx1">
-                    <a:lumMod val="65000"/>
-                    <a:lumOff val="35000"/>
-                  </a:schemeClr>
-                </a:solidFill>
-                <a:latin typeface="Playfair Display" pitchFamily="2" charset="77"/>
-              </a:rPr>
-              <a:t> with a single employee for a full day making hundreds of </a:t>
-            </a:r>
-            <a:r>
-              <a:rPr lang="en-US" dirty="0">
-                <a:solidFill>
-                  <a:schemeClr val="tx1">
-                    <a:lumMod val="85000"/>
-                    <a:lumOff val="15000"/>
-                  </a:schemeClr>
-                </a:solidFill>
-                <a:latin typeface="Playfair Display" pitchFamily="2" charset="77"/>
-              </a:rPr>
-              <a:t>safe</a:t>
-            </a:r>
-            <a:r>
-              <a:rPr lang="en-US" dirty="0">
-                <a:solidFill>
-                  <a:schemeClr val="tx1">
-                    <a:lumMod val="65000"/>
-                    <a:lumOff val="35000"/>
-                  </a:schemeClr>
-                </a:solidFill>
-                <a:latin typeface="Playfair Display" pitchFamily="2" charset="77"/>
-              </a:rPr>
-              <a:t> and tiny refactorings. </a:t>
-            </a:r>
-          </a:p>
-          <a:p>
-            <a:endParaRPr lang="en-US" dirty="0">
-              <a:solidFill>
-                <a:schemeClr val="tx1">
-                  <a:lumMod val="65000"/>
-                  <a:lumOff val="35000"/>
-                </a:schemeClr>
-              </a:solidFill>
-              <a:latin typeface="Playfair Display" pitchFamily="2" charset="77"/>
-            </a:endParaRPr>
-          </a:p>
-          <a:p>
-            <a:endParaRPr lang="en-US" dirty="0">
-              <a:solidFill>
-                <a:schemeClr val="bg1"/>
-              </a:solidFill>
-              <a:latin typeface="Playfair Display" pitchFamily="2" charset="77"/>
-            </a:endParaRPr>
-          </a:p>
-        </p:txBody>
-      </p:sp>
-      <p:sp>
-        <p:nvSpPr>
-          <p:cNvPr id="8" name="TextBox 7">
-            <a:extLst>
-              <a:ext uri="{FF2B5EF4-FFF2-40B4-BE49-F238E27FC236}">
-                <a16:creationId xmlns:a16="http://schemas.microsoft.com/office/drawing/2014/main" id="{6773BEA4-0C67-6146-9BEB-9FCBDA04D0B2}"/>
-              </a:ext>
-            </a:extLst>
-          </p:cNvPr>
-          <p:cNvSpPr txBox="1"/>
-          <p:nvPr/>
-        </p:nvSpPr>
-        <p:spPr>
-          <a:xfrm>
-            <a:off x="2697480" y="3998427"/>
-            <a:ext cx="2246044" cy="553998"/>
-          </a:xfrm>
-          <a:prstGeom prst="rect">
-            <a:avLst/>
-          </a:prstGeom>
-          <a:noFill/>
-        </p:spPr>
-        <p:txBody>
-          <a:bodyPr wrap="square" rtlCol="0">
-            <a:spAutoFit/>
-          </a:bodyPr>
-          <a:lstStyle/>
-          <a:p>
-            <a:pPr lvl="1" algn="ctr"/>
-            <a:r>
-              <a:rPr lang="en-US" dirty="0">
-                <a:solidFill>
-                  <a:schemeClr val="tx1">
-                    <a:lumMod val="65000"/>
-                    <a:lumOff val="35000"/>
-                  </a:schemeClr>
-                </a:solidFill>
-                <a:latin typeface="Playfair Display" pitchFamily="2" charset="77"/>
-              </a:rPr>
-              <a:t>The refactored code</a:t>
-            </a:r>
-          </a:p>
-          <a:p>
-            <a:pPr lvl="1" algn="ctr"/>
-            <a:r>
-              <a:rPr lang="en-US" dirty="0">
-                <a:solidFill>
-                  <a:schemeClr val="tx1">
-                    <a:lumMod val="65000"/>
-                    <a:lumOff val="35000"/>
-                  </a:schemeClr>
-                </a:solidFill>
-                <a:latin typeface="Playfair Display" pitchFamily="2" charset="77"/>
-              </a:rPr>
-              <a:t> </a:t>
-            </a:r>
-            <a:r>
-              <a:rPr lang="en-US" sz="1600" b="1" dirty="0">
-                <a:solidFill>
-                  <a:schemeClr val="tx1">
-                    <a:lumMod val="65000"/>
-                    <a:lumOff val="35000"/>
-                  </a:schemeClr>
-                </a:solidFill>
-                <a:latin typeface="Playfair Display" pitchFamily="2" charset="77"/>
-              </a:rPr>
-              <a:t>will be:</a:t>
-            </a:r>
-          </a:p>
-        </p:txBody>
-      </p:sp>
-      <p:sp>
-        <p:nvSpPr>
-          <p:cNvPr id="21" name="TextBox 20">
-            <a:extLst>
-              <a:ext uri="{FF2B5EF4-FFF2-40B4-BE49-F238E27FC236}">
-                <a16:creationId xmlns:a16="http://schemas.microsoft.com/office/drawing/2014/main" id="{18656751-87E2-5947-B62B-3530B5AFBA8F}"/>
-              </a:ext>
-            </a:extLst>
-          </p:cNvPr>
-          <p:cNvSpPr txBox="1"/>
-          <p:nvPr/>
-        </p:nvSpPr>
-        <p:spPr>
-          <a:xfrm>
-            <a:off x="5150032" y="3998427"/>
-            <a:ext cx="2341993" cy="553998"/>
-          </a:xfrm>
-          <a:prstGeom prst="rect">
-            <a:avLst/>
-          </a:prstGeom>
-          <a:noFill/>
-        </p:spPr>
-        <p:txBody>
-          <a:bodyPr wrap="square" rtlCol="0">
-            <a:spAutoFit/>
-          </a:bodyPr>
-          <a:lstStyle/>
-          <a:p>
-            <a:pPr lvl="1" algn="ctr"/>
-            <a:r>
-              <a:rPr lang="en-US" dirty="0">
-                <a:solidFill>
-                  <a:schemeClr val="tx1">
-                    <a:lumMod val="65000"/>
-                    <a:lumOff val="35000"/>
-                  </a:schemeClr>
-                </a:solidFill>
-                <a:latin typeface="Playfair Display" pitchFamily="2" charset="77"/>
-              </a:rPr>
-              <a:t>Reduced code complexity</a:t>
-            </a:r>
-          </a:p>
-          <a:p>
-            <a:pPr lvl="1" algn="ctr"/>
-            <a:r>
-              <a:rPr lang="en-US" sz="1600" b="1" dirty="0">
-                <a:solidFill>
-                  <a:schemeClr val="tx1">
-                    <a:lumMod val="65000"/>
-                    <a:lumOff val="35000"/>
-                  </a:schemeClr>
-                </a:solidFill>
-                <a:latin typeface="Playfair Display" pitchFamily="2" charset="77"/>
-              </a:rPr>
-              <a:t>leads to </a:t>
-            </a:r>
-            <a:r>
-              <a:rPr lang="en-US" sz="1600" dirty="0">
-                <a:solidFill>
-                  <a:schemeClr val="tx1">
-                    <a:lumMod val="65000"/>
-                    <a:lumOff val="35000"/>
-                  </a:schemeClr>
-                </a:solidFill>
-                <a:latin typeface="Playfair Display" pitchFamily="2" charset="77"/>
-              </a:rPr>
-              <a:t>:</a:t>
-            </a:r>
-          </a:p>
-        </p:txBody>
-      </p:sp>
-      <p:sp>
-        <p:nvSpPr>
-          <p:cNvPr id="22" name="TextBox 21">
-            <a:extLst>
-              <a:ext uri="{FF2B5EF4-FFF2-40B4-BE49-F238E27FC236}">
-                <a16:creationId xmlns:a16="http://schemas.microsoft.com/office/drawing/2014/main" id="{F2DD7743-BE51-4C4D-8AC9-0CE1D2AF62FA}"/>
-              </a:ext>
-            </a:extLst>
-          </p:cNvPr>
-          <p:cNvSpPr txBox="1"/>
-          <p:nvPr/>
-        </p:nvSpPr>
-        <p:spPr>
-          <a:xfrm>
-            <a:off x="219090" y="2890146"/>
-            <a:ext cx="7246841" cy="369332"/>
-          </a:xfrm>
-          <a:prstGeom prst="rect">
-            <a:avLst/>
-          </a:prstGeom>
-          <a:noFill/>
-        </p:spPr>
-        <p:txBody>
-          <a:bodyPr wrap="square" rtlCol="0">
-            <a:spAutoFit/>
-          </a:bodyPr>
-          <a:lstStyle/>
-          <a:p>
-            <a:pPr algn="ctr"/>
-            <a:r>
-              <a:rPr lang="en-US" sz="1800" b="1" dirty="0">
-                <a:solidFill>
-                  <a:schemeClr val="tx1">
-                    <a:lumMod val="50000"/>
-                    <a:lumOff val="50000"/>
-                  </a:schemeClr>
-                </a:solidFill>
-                <a:latin typeface="Playfair Display" pitchFamily="2" charset="77"/>
-              </a:rPr>
-              <a:t>We rapidly clean the code that is </a:t>
-            </a:r>
-            <a:r>
-              <a:rPr lang="en-US" sz="1800" b="1" dirty="0">
-                <a:solidFill>
-                  <a:schemeClr val="tx1">
-                    <a:lumMod val="85000"/>
-                    <a:lumOff val="15000"/>
-                  </a:schemeClr>
-                </a:solidFill>
-                <a:latin typeface="Playfair Display" pitchFamily="2" charset="77"/>
-              </a:rPr>
-              <a:t>hindering your team </a:t>
-            </a:r>
-            <a:r>
-              <a:rPr lang="en-US" sz="1800" b="1" dirty="0">
-                <a:solidFill>
-                  <a:schemeClr val="tx1">
-                    <a:lumMod val="50000"/>
-                    <a:lumOff val="50000"/>
-                  </a:schemeClr>
-                </a:solidFill>
-                <a:latin typeface="Playfair Display" pitchFamily="2" charset="77"/>
-              </a:rPr>
-              <a:t>the most!</a:t>
-            </a:r>
-          </a:p>
-        </p:txBody>
-      </p:sp>
-      <p:sp>
-        <p:nvSpPr>
-          <p:cNvPr id="24" name="TextBox 23">
-            <a:extLst>
-              <a:ext uri="{FF2B5EF4-FFF2-40B4-BE49-F238E27FC236}">
-                <a16:creationId xmlns:a16="http://schemas.microsoft.com/office/drawing/2014/main" id="{6C6ACF05-560B-EB4F-8333-BC72D588D8ED}"/>
-              </a:ext>
-            </a:extLst>
-          </p:cNvPr>
-          <p:cNvSpPr txBox="1"/>
-          <p:nvPr/>
-        </p:nvSpPr>
-        <p:spPr>
-          <a:xfrm>
-            <a:off x="232534" y="7988695"/>
-            <a:ext cx="7246841" cy="523220"/>
-          </a:xfrm>
-          <a:prstGeom prst="rect">
-            <a:avLst/>
-          </a:prstGeom>
-          <a:noFill/>
-        </p:spPr>
-        <p:txBody>
-          <a:bodyPr wrap="square" rtlCol="0">
-            <a:spAutoFit/>
-          </a:bodyPr>
-          <a:lstStyle/>
-          <a:p>
-            <a:pPr algn="ctr"/>
-            <a:r>
-              <a:rPr lang="en-US" b="1" dirty="0">
-                <a:solidFill>
-                  <a:schemeClr val="tx1">
-                    <a:lumMod val="65000"/>
-                    <a:lumOff val="35000"/>
-                  </a:schemeClr>
-                </a:solidFill>
-                <a:latin typeface="Playfair Display" pitchFamily="2" charset="77"/>
-              </a:rPr>
-              <a:t>Legacy code specialists</a:t>
-            </a:r>
-            <a:r>
-              <a:rPr lang="en-US" b="1" dirty="0">
-                <a:solidFill>
-                  <a:schemeClr val="tx1">
-                    <a:lumMod val="75000"/>
-                    <a:lumOff val="25000"/>
-                  </a:schemeClr>
-                </a:solidFill>
-                <a:latin typeface="Playfair Display" pitchFamily="2" charset="77"/>
-              </a:rPr>
-              <a:t> </a:t>
-            </a:r>
-            <a:r>
-              <a:rPr lang="en-US" b="1" dirty="0">
-                <a:solidFill>
-                  <a:schemeClr val="tx1">
-                    <a:lumMod val="85000"/>
-                    <a:lumOff val="15000"/>
-                  </a:schemeClr>
-                </a:solidFill>
-                <a:latin typeface="Playfair Display" pitchFamily="2" charset="77"/>
-              </a:rPr>
-              <a:t>Jay Bazuzi &amp; Llewellyn Falco</a:t>
-            </a:r>
-          </a:p>
-          <a:p>
-            <a:pPr algn="ctr"/>
-            <a:r>
-              <a:rPr lang="en-US" b="1" dirty="0">
-                <a:solidFill>
-                  <a:schemeClr val="tx1">
-                    <a:lumMod val="85000"/>
-                    <a:lumOff val="15000"/>
-                  </a:schemeClr>
-                </a:solidFill>
-                <a:latin typeface="Playfair Display" pitchFamily="2" charset="77"/>
-              </a:rPr>
-              <a:t> </a:t>
-            </a:r>
-            <a:r>
-              <a:rPr lang="en-US" b="1" dirty="0">
-                <a:solidFill>
-                  <a:schemeClr val="tx1">
-                    <a:lumMod val="65000"/>
-                    <a:lumOff val="35000"/>
-                  </a:schemeClr>
-                </a:solidFill>
-                <a:latin typeface="Playfair Display" pitchFamily="2" charset="77"/>
-              </a:rPr>
-              <a:t>will refactor your most complex and difficult code.</a:t>
-            </a:r>
-          </a:p>
-        </p:txBody>
-      </p:sp>
-      <p:sp>
-        <p:nvSpPr>
-          <p:cNvPr id="25" name="TextBox 24">
-            <a:extLst>
-              <a:ext uri="{FF2B5EF4-FFF2-40B4-BE49-F238E27FC236}">
-                <a16:creationId xmlns:a16="http://schemas.microsoft.com/office/drawing/2014/main" id="{8460CFFC-C9C7-8B4C-B3BE-E1DB58A654C5}"/>
-              </a:ext>
-            </a:extLst>
-          </p:cNvPr>
-          <p:cNvSpPr txBox="1"/>
-          <p:nvPr/>
-        </p:nvSpPr>
-        <p:spPr>
-          <a:xfrm>
-            <a:off x="3654797" y="9064666"/>
-            <a:ext cx="1947955" cy="307777"/>
-          </a:xfrm>
-          <a:prstGeom prst="rect">
-            <a:avLst/>
-          </a:prstGeom>
-          <a:noFill/>
-        </p:spPr>
-        <p:txBody>
-          <a:bodyPr wrap="square" rtlCol="0">
-            <a:spAutoFit/>
-          </a:bodyPr>
-          <a:lstStyle/>
-          <a:p>
-            <a:r>
-              <a:rPr lang="en-US" b="1" dirty="0">
-                <a:solidFill>
-                  <a:schemeClr val="tx1">
-                    <a:lumMod val="50000"/>
-                    <a:lumOff val="50000"/>
-                  </a:schemeClr>
-                </a:solidFill>
-                <a:latin typeface="Playfair Display" pitchFamily="2" charset="77"/>
-              </a:rPr>
-              <a:t>$5k per day</a:t>
-            </a:r>
-          </a:p>
-        </p:txBody>
-      </p:sp>
-      <p:sp>
-        <p:nvSpPr>
-          <p:cNvPr id="26" name="TextBox 25">
-            <a:extLst>
-              <a:ext uri="{FF2B5EF4-FFF2-40B4-BE49-F238E27FC236}">
-                <a16:creationId xmlns:a16="http://schemas.microsoft.com/office/drawing/2014/main" id="{FE71C4F3-C2C4-804C-9F9E-3C92829277F4}"/>
-              </a:ext>
-            </a:extLst>
-          </p:cNvPr>
-          <p:cNvSpPr txBox="1"/>
-          <p:nvPr/>
-        </p:nvSpPr>
-        <p:spPr>
-          <a:xfrm>
-            <a:off x="1745383" y="9064666"/>
-            <a:ext cx="1947955" cy="307777"/>
-          </a:xfrm>
-          <a:prstGeom prst="rect">
-            <a:avLst/>
-          </a:prstGeom>
-          <a:noFill/>
-        </p:spPr>
-        <p:txBody>
-          <a:bodyPr wrap="square" rtlCol="0">
-            <a:spAutoFit/>
-          </a:bodyPr>
-          <a:lstStyle/>
-          <a:p>
-            <a:pPr algn="r"/>
-            <a:r>
-              <a:rPr lang="en-US" b="1" dirty="0">
-                <a:solidFill>
-                  <a:schemeClr val="tx1">
-                    <a:lumMod val="50000"/>
-                    <a:lumOff val="50000"/>
-                  </a:schemeClr>
-                </a:solidFill>
-                <a:latin typeface="Playfair Display" pitchFamily="2" charset="77"/>
-              </a:rPr>
-              <a:t>info@spunlabs.com</a:t>
-            </a:r>
-          </a:p>
-        </p:txBody>
-      </p:sp>
-      <p:cxnSp>
-        <p:nvCxnSpPr>
-          <p:cNvPr id="27" name="Straight Connector 26">
-            <a:extLst>
-              <a:ext uri="{FF2B5EF4-FFF2-40B4-BE49-F238E27FC236}">
-                <a16:creationId xmlns:a16="http://schemas.microsoft.com/office/drawing/2014/main" id="{5373C34C-C3DA-9F4E-A507-FE53C9CED991}"/>
-              </a:ext>
-            </a:extLst>
-          </p:cNvPr>
-          <p:cNvCxnSpPr>
-            <a:cxnSpLocks/>
-          </p:cNvCxnSpPr>
-          <p:nvPr/>
-        </p:nvCxnSpPr>
-        <p:spPr>
-          <a:xfrm>
-            <a:off x="3665892" y="8910088"/>
-            <a:ext cx="0" cy="616932"/>
-          </a:xfrm>
-          <a:prstGeom prst="line">
-            <a:avLst/>
-          </a:prstGeom>
-          <a:ln w="28575">
-            <a:solidFill>
-              <a:schemeClr val="tx1">
-                <a:lumMod val="50000"/>
-                <a:lumOff val="50000"/>
-              </a:schemeClr>
-            </a:solidFill>
-          </a:ln>
-        </p:spPr>
-        <p:style>
-          <a:lnRef idx="1">
-            <a:schemeClr val="accent1"/>
-          </a:lnRef>
-          <a:fillRef idx="0">
-            <a:schemeClr val="accent1"/>
-          </a:fillRef>
-          <a:effectRef idx="0">
-            <a:schemeClr val="accent1"/>
-          </a:effectRef>
-          <a:fontRef idx="minor">
-            <a:schemeClr val="tx1"/>
-          </a:fontRef>
-        </p:style>
-      </p:cxnSp>
-      <p:sp>
-        <p:nvSpPr>
-          <p:cNvPr id="34" name="TextBox 33">
-            <a:extLst>
-              <a:ext uri="{FF2B5EF4-FFF2-40B4-BE49-F238E27FC236}">
-                <a16:creationId xmlns:a16="http://schemas.microsoft.com/office/drawing/2014/main" id="{78739FC6-2AEE-9C46-ADCD-47B0FB67F188}"/>
-              </a:ext>
-            </a:extLst>
-          </p:cNvPr>
-          <p:cNvSpPr txBox="1"/>
-          <p:nvPr/>
-        </p:nvSpPr>
-        <p:spPr>
-          <a:xfrm>
-            <a:off x="2954651" y="4786360"/>
-            <a:ext cx="1850575" cy="1554272"/>
-          </a:xfrm>
-          <a:prstGeom prst="rect">
-            <a:avLst/>
-          </a:prstGeom>
-          <a:noFill/>
-        </p:spPr>
-        <p:txBody>
-          <a:bodyPr wrap="square" rtlCol="0">
-            <a:spAutoFit/>
-          </a:bodyPr>
-          <a:lstStyle/>
-          <a:p>
-            <a:pPr marL="285750" lvl="1" indent="-285750">
-              <a:buFont typeface="Arial" panose="020B0604020202020204" pitchFamily="34" charset="0"/>
-              <a:buChar char="•"/>
-            </a:pPr>
-            <a:r>
-              <a:rPr lang="en-US" dirty="0">
-                <a:solidFill>
-                  <a:schemeClr val="tx1">
-                    <a:lumMod val="65000"/>
-                    <a:lumOff val="35000"/>
-                  </a:schemeClr>
-                </a:solidFill>
-                <a:latin typeface="Playfair Display" pitchFamily="2" charset="77"/>
-              </a:rPr>
-              <a:t>Testable</a:t>
-            </a:r>
-          </a:p>
-          <a:p>
-            <a:pPr marL="285750" lvl="1" indent="-285750">
-              <a:buFont typeface="Arial" panose="020B0604020202020204" pitchFamily="34" charset="0"/>
-              <a:buChar char="•"/>
-            </a:pPr>
-            <a:r>
-              <a:rPr lang="en-US" dirty="0">
-                <a:solidFill>
-                  <a:schemeClr val="tx1">
-                    <a:lumMod val="65000"/>
-                    <a:lumOff val="35000"/>
-                  </a:schemeClr>
-                </a:solidFill>
-                <a:latin typeface="Playfair Display" pitchFamily="2" charset="77"/>
-              </a:rPr>
-              <a:t>Modular</a:t>
-            </a:r>
-          </a:p>
-          <a:p>
-            <a:pPr marL="285750" lvl="1" indent="-285750">
-              <a:buFont typeface="Arial" panose="020B0604020202020204" pitchFamily="34" charset="0"/>
-              <a:buChar char="•"/>
-            </a:pPr>
-            <a:r>
-              <a:rPr lang="en-US" dirty="0">
-                <a:solidFill>
-                  <a:schemeClr val="tx1">
-                    <a:lumMod val="65000"/>
-                    <a:lumOff val="35000"/>
-                  </a:schemeClr>
-                </a:solidFill>
-                <a:latin typeface="Playfair Display" pitchFamily="2" charset="77"/>
-              </a:rPr>
-              <a:t>Readable</a:t>
-            </a:r>
-          </a:p>
-          <a:p>
-            <a:pPr marL="285750" lvl="1" indent="-285750">
-              <a:buFont typeface="Arial" panose="020B0604020202020204" pitchFamily="34" charset="0"/>
-              <a:buChar char="•"/>
-            </a:pPr>
-            <a:r>
-              <a:rPr lang="en-US" dirty="0">
-                <a:solidFill>
-                  <a:schemeClr val="tx1">
-                    <a:lumMod val="65000"/>
-                    <a:lumOff val="35000"/>
-                  </a:schemeClr>
-                </a:solidFill>
-                <a:latin typeface="Playfair Display" pitchFamily="2" charset="77"/>
-              </a:rPr>
-              <a:t>Less Complex</a:t>
-            </a:r>
-          </a:p>
-          <a:p>
-            <a:pPr marL="285750" lvl="1" indent="-285750">
-              <a:buFont typeface="Arial" panose="020B0604020202020204" pitchFamily="34" charset="0"/>
-              <a:buChar char="•"/>
-            </a:pPr>
-            <a:r>
-              <a:rPr lang="en-US" dirty="0">
-                <a:solidFill>
-                  <a:schemeClr val="tx1">
-                    <a:lumMod val="65000"/>
-                    <a:lumOff val="35000"/>
-                  </a:schemeClr>
-                </a:solidFill>
-                <a:latin typeface="Playfair Display" pitchFamily="2" charset="77"/>
-              </a:rPr>
-              <a:t>Functionally equivalent </a:t>
-            </a:r>
-          </a:p>
-          <a:p>
-            <a:pPr lvl="1"/>
-            <a:r>
-              <a:rPr lang="en-US" sz="1100" dirty="0">
-                <a:solidFill>
-                  <a:schemeClr val="tx1">
-                    <a:lumMod val="65000"/>
-                    <a:lumOff val="35000"/>
-                  </a:schemeClr>
-                </a:solidFill>
-                <a:latin typeface="Playfair Display" pitchFamily="2" charset="77"/>
-              </a:rPr>
-              <a:t>(no new bugs or features</a:t>
-            </a:r>
-            <a:r>
-              <a:rPr lang="en-US" sz="1100" dirty="0">
-                <a:solidFill>
-                  <a:schemeClr val="tx1">
-                    <a:lumMod val="65000"/>
-                    <a:lumOff val="35000"/>
-                  </a:schemeClr>
-                </a:solidFill>
-              </a:rPr>
-              <a:t>)</a:t>
-            </a:r>
-          </a:p>
-        </p:txBody>
-      </p:sp>
-      <p:sp>
-        <p:nvSpPr>
-          <p:cNvPr id="35" name="TextBox 34">
-            <a:extLst>
-              <a:ext uri="{FF2B5EF4-FFF2-40B4-BE49-F238E27FC236}">
-                <a16:creationId xmlns:a16="http://schemas.microsoft.com/office/drawing/2014/main" id="{DE5C64CB-8BC6-7842-A346-8147EC508CFC}"/>
-              </a:ext>
-            </a:extLst>
-          </p:cNvPr>
-          <p:cNvSpPr txBox="1"/>
-          <p:nvPr/>
-        </p:nvSpPr>
-        <p:spPr>
-          <a:xfrm>
-            <a:off x="5430408" y="4786360"/>
-            <a:ext cx="2048968" cy="954107"/>
-          </a:xfrm>
-          <a:prstGeom prst="rect">
-            <a:avLst/>
-          </a:prstGeom>
-          <a:noFill/>
-        </p:spPr>
-        <p:txBody>
-          <a:bodyPr wrap="square" rtlCol="0">
-            <a:spAutoFit/>
-          </a:bodyPr>
-          <a:lstStyle/>
-          <a:p>
-            <a:pPr marL="285750" lvl="1" indent="-285750">
-              <a:buFont typeface="Arial" panose="020B0604020202020204" pitchFamily="34" charset="0"/>
-              <a:buChar char="•"/>
-            </a:pPr>
-            <a:r>
-              <a:rPr lang="en-US" dirty="0">
-                <a:solidFill>
-                  <a:schemeClr val="tx1">
-                    <a:lumMod val="65000"/>
-                    <a:lumOff val="35000"/>
-                  </a:schemeClr>
-                </a:solidFill>
-                <a:latin typeface="Playfair Display" pitchFamily="2" charset="77"/>
-              </a:rPr>
-              <a:t>Fewer bugs </a:t>
-            </a:r>
-          </a:p>
-          <a:p>
-            <a:pPr marL="285750" lvl="1" indent="-285750">
-              <a:buFont typeface="Arial" panose="020B0604020202020204" pitchFamily="34" charset="0"/>
-              <a:buChar char="•"/>
-            </a:pPr>
-            <a:r>
-              <a:rPr lang="en-US" dirty="0">
-                <a:solidFill>
-                  <a:schemeClr val="tx1">
-                    <a:lumMod val="65000"/>
-                    <a:lumOff val="35000"/>
-                  </a:schemeClr>
-                </a:solidFill>
-                <a:latin typeface="Playfair Display" pitchFamily="2" charset="77"/>
-              </a:rPr>
-              <a:t>Increased velocity </a:t>
-            </a:r>
-          </a:p>
-          <a:p>
-            <a:pPr marL="285750" lvl="1" indent="-285750">
-              <a:buFont typeface="Arial" panose="020B0604020202020204" pitchFamily="34" charset="0"/>
-              <a:buChar char="•"/>
-            </a:pPr>
-            <a:r>
-              <a:rPr lang="en-US" dirty="0">
-                <a:solidFill>
-                  <a:schemeClr val="tx1">
-                    <a:lumMod val="65000"/>
-                    <a:lumOff val="35000"/>
-                  </a:schemeClr>
-                </a:solidFill>
-                <a:latin typeface="Playfair Display" pitchFamily="2" charset="77"/>
-              </a:rPr>
-              <a:t>Higher developer satisfaction</a:t>
-            </a:r>
-          </a:p>
-        </p:txBody>
-      </p:sp>
-    </p:spTree>
-    <p:extLst>
-      <p:ext uri="{BB962C8B-B14F-4D97-AF65-F5344CB8AC3E}">
-        <p14:creationId xmlns:p14="http://schemas.microsoft.com/office/powerpoint/2010/main" val="3899792643"/>
-      </p:ext>
-    </p:extLst>
-  </p:cSld>
-  <p:clrMapOvr>
-    <a:masterClrMapping/>
-  </p:clrMapOvr>
-</p:sld>
-</file>
-
-<file path=ppt/slides/slide2.xml><?xml version="1.0" encoding="utf-8"?>
 <p:sld xmlns:a="http://schemas.openxmlformats.org/drawingml/2006/main" xmlns:r="http://schemas.openxmlformats.org/officeDocument/2006/relationships" xmlns:p="http://schemas.openxmlformats.org/presentationml/2006/main">
   <p:cSld>
     <p:spTree>
@@ -3989,7 +2758,7 @@
                 </a:solidFill>
                 <a:latin typeface="Playfair Display" pitchFamily="2" charset="77"/>
               </a:rPr>
-              <a:t>Llewellyn Falco &amp; team</a:t>
+              <a:t>Jay Bazuzi &amp; Llewellyn Falco</a:t>
             </a:r>
           </a:p>
           <a:p>
@@ -4385,7 +3154,7 @@
     </p:spTree>
     <p:extLst>
       <p:ext uri="{BB962C8B-B14F-4D97-AF65-F5344CB8AC3E}">
-        <p14:creationId xmlns:p14="http://schemas.microsoft.com/office/powerpoint/2010/main" val="3620789962"/>
+        <p14:creationId xmlns:p14="http://schemas.microsoft.com/office/powerpoint/2010/main" val="3899792643"/>
       </p:ext>
     </p:extLst>
   </p:cSld>
